--- a/slides/Chapt8-Jackknife.pptx
+++ b/slides/Chapt8-Jackknife.pptx
@@ -1024,13 +1024,19 @@
       </p:grpSpPr>
       <p:pic>
         <p:nvPicPr>
-          <p:cNvPr id="18" name="Picture 17"/>
+          <p:cNvPr id="2" name="Picture 1">
+            <a:extLst>
+              <a:ext uri="{FF2B5EF4-FFF2-40B4-BE49-F238E27FC236}">
+                <a16:creationId xmlns:a16="http://schemas.microsoft.com/office/drawing/2014/main" id="{6C31CAEB-C525-873F-C1D3-C1310E5D3C61}"/>
+              </a:ext>
+            </a:extLst>
+          </p:cNvPr>
           <p:cNvPicPr>
-            <a:picLocks noChangeAspect="1"/>
+            <a:picLocks noChangeAspect="1" noChangeArrowheads="1"/>
           </p:cNvPicPr>
           <p:nvPr userDrawn="1"/>
         </p:nvPicPr>
-        <p:blipFill>
+        <p:blipFill rotWithShape="1">
           <a:blip r:embed="rId2">
             <a:extLst>
               <a:ext uri="{28A0092B-C50C-407E-A947-70E740481C1C}">
@@ -1038,197 +1044,38 @@
               </a:ext>
             </a:extLst>
           </a:blip>
-          <a:stretch>
-            <a:fillRect/>
-          </a:stretch>
+          <a:srcRect l="4721" t="4218" r="3612" b="2726"/>
+          <a:stretch/>
         </p:blipFill>
-        <p:spPr>
+        <p:spPr bwMode="auto">
           <a:xfrm>
-            <a:off x="4495800" y="1138238"/>
-            <a:ext cx="4578333" cy="4572000"/>
+            <a:off x="3924299" y="855203"/>
+            <a:ext cx="5029201" cy="5105400"/>
           </a:xfrm>
           <a:prstGeom prst="rect">
             <a:avLst/>
           </a:prstGeom>
           <a:noFill/>
-          <a:ln>
-            <a:noFill/>
-          </a:ln>
-          <a:effectLst>
-            <a:outerShdw blurRad="50800" dist="50800" dir="5400000" algn="ctr" rotWithShape="0">
-              <a:srgbClr val="000000">
-                <a:alpha val="0"/>
-              </a:srgbClr>
-            </a:outerShdw>
-          </a:effectLst>
+          <a:extLst>
+            <a:ext uri="{909E8E84-426E-40DD-AFC4-6F175D3DCCD1}">
+              <a14:hiddenFill xmlns:a14="http://schemas.microsoft.com/office/drawing/2010/main">
+                <a:solidFill>
+                  <a:srgbClr val="FFFFFF"/>
+                </a:solidFill>
+              </a14:hiddenFill>
+            </a:ext>
+          </a:extLst>
         </p:spPr>
       </p:pic>
       <p:sp>
         <p:nvSpPr>
-          <p:cNvPr id="11" name="Rectangle 7"/>
-          <p:cNvSpPr>
-            <a:spLocks noChangeArrowheads="1"/>
-          </p:cNvSpPr>
-          <p:nvPr userDrawn="1"/>
-        </p:nvSpPr>
-        <p:spPr bwMode="auto">
-          <a:xfrm>
-            <a:off x="381000" y="457200"/>
-            <a:ext cx="5486400" cy="519113"/>
-          </a:xfrm>
-          <a:prstGeom prst="rect">
-            <a:avLst/>
-          </a:prstGeom>
-          <a:noFill/>
-          <a:ln>
-            <a:noFill/>
-          </a:ln>
-          <a:extLst>
-            <a:ext uri="{909E8E84-426E-40DD-AFC4-6F175D3DCCD1}">
-              <a14:hiddenFill xmlns:a14="http://schemas.microsoft.com/office/drawing/2010/main">
-                <a:solidFill>
-                  <a:srgbClr val="FFFFFF"/>
-                </a:solidFill>
-              </a14:hiddenFill>
-            </a:ext>
-            <a:ext uri="{91240B29-F687-4F45-9708-019B960494DF}">
-              <a14:hiddenLine xmlns:a14="http://schemas.microsoft.com/office/drawing/2010/main" w="9525">
-                <a:solidFill>
-                  <a:srgbClr val="000000"/>
-                </a:solidFill>
-                <a:miter lim="800000"/>
-                <a:headEnd/>
-                <a:tailEnd/>
-              </a14:hiddenLine>
-            </a:ext>
-          </a:extLst>
-        </p:spPr>
-        <p:txBody>
-          <a:bodyPr anchor="ctr"/>
-          <a:lstStyle>
-            <a:lvl1pPr eaLnBrk="0" hangingPunct="0">
-              <a:defRPr sz="2400">
-                <a:solidFill>
-                  <a:schemeClr val="tx1"/>
-                </a:solidFill>
-                <a:latin typeface="Times New Roman" panose="02020603050405020304" pitchFamily="18" charset="0"/>
-                <a:ea typeface="ＭＳ Ｐゴシック" panose="020B0600070205080204" pitchFamily="34" charset="-128"/>
-              </a:defRPr>
-            </a:lvl1pPr>
-            <a:lvl2pPr marL="742950" indent="-285750" eaLnBrk="0" hangingPunct="0">
-              <a:defRPr sz="2400">
-                <a:solidFill>
-                  <a:schemeClr val="tx1"/>
-                </a:solidFill>
-                <a:latin typeface="Times New Roman" panose="02020603050405020304" pitchFamily="18" charset="0"/>
-                <a:ea typeface="ＭＳ Ｐゴシック" panose="020B0600070205080204" pitchFamily="34" charset="-128"/>
-              </a:defRPr>
-            </a:lvl2pPr>
-            <a:lvl3pPr marL="1143000" indent="-228600" eaLnBrk="0" hangingPunct="0">
-              <a:defRPr sz="2400">
-                <a:solidFill>
-                  <a:schemeClr val="tx1"/>
-                </a:solidFill>
-                <a:latin typeface="Times New Roman" panose="02020603050405020304" pitchFamily="18" charset="0"/>
-                <a:ea typeface="ＭＳ Ｐゴシック" panose="020B0600070205080204" pitchFamily="34" charset="-128"/>
-              </a:defRPr>
-            </a:lvl3pPr>
-            <a:lvl4pPr marL="1600200" indent="-228600" eaLnBrk="0" hangingPunct="0">
-              <a:defRPr sz="2400">
-                <a:solidFill>
-                  <a:schemeClr val="tx1"/>
-                </a:solidFill>
-                <a:latin typeface="Times New Roman" panose="02020603050405020304" pitchFamily="18" charset="0"/>
-                <a:ea typeface="ＭＳ Ｐゴシック" panose="020B0600070205080204" pitchFamily="34" charset="-128"/>
-              </a:defRPr>
-            </a:lvl4pPr>
-            <a:lvl5pPr marL="2057400" indent="-228600" eaLnBrk="0" hangingPunct="0">
-              <a:defRPr sz="2400">
-                <a:solidFill>
-                  <a:schemeClr val="tx1"/>
-                </a:solidFill>
-                <a:latin typeface="Times New Roman" panose="02020603050405020304" pitchFamily="18" charset="0"/>
-                <a:ea typeface="ＭＳ Ｐゴシック" panose="020B0600070205080204" pitchFamily="34" charset="-128"/>
-              </a:defRPr>
-            </a:lvl5pPr>
-            <a:lvl6pPr marL="2514600" indent="-228600" eaLnBrk="0" fontAlgn="base" hangingPunct="0">
-              <a:spcBef>
-                <a:spcPct val="0"/>
-              </a:spcBef>
-              <a:spcAft>
-                <a:spcPct val="0"/>
-              </a:spcAft>
-              <a:defRPr sz="2400">
-                <a:solidFill>
-                  <a:schemeClr val="tx1"/>
-                </a:solidFill>
-                <a:latin typeface="Times New Roman" panose="02020603050405020304" pitchFamily="18" charset="0"/>
-                <a:ea typeface="ＭＳ Ｐゴシック" panose="020B0600070205080204" pitchFamily="34" charset="-128"/>
-              </a:defRPr>
-            </a:lvl6pPr>
-            <a:lvl7pPr marL="2971800" indent="-228600" eaLnBrk="0" fontAlgn="base" hangingPunct="0">
-              <a:spcBef>
-                <a:spcPct val="0"/>
-              </a:spcBef>
-              <a:spcAft>
-                <a:spcPct val="0"/>
-              </a:spcAft>
-              <a:defRPr sz="2400">
-                <a:solidFill>
-                  <a:schemeClr val="tx1"/>
-                </a:solidFill>
-                <a:latin typeface="Times New Roman" panose="02020603050405020304" pitchFamily="18" charset="0"/>
-                <a:ea typeface="ＭＳ Ｐゴシック" panose="020B0600070205080204" pitchFamily="34" charset="-128"/>
-              </a:defRPr>
-            </a:lvl7pPr>
-            <a:lvl8pPr marL="3429000" indent="-228600" eaLnBrk="0" fontAlgn="base" hangingPunct="0">
-              <a:spcBef>
-                <a:spcPct val="0"/>
-              </a:spcBef>
-              <a:spcAft>
-                <a:spcPct val="0"/>
-              </a:spcAft>
-              <a:defRPr sz="2400">
-                <a:solidFill>
-                  <a:schemeClr val="tx1"/>
-                </a:solidFill>
-                <a:latin typeface="Times New Roman" panose="02020603050405020304" pitchFamily="18" charset="0"/>
-                <a:ea typeface="ＭＳ Ｐゴシック" panose="020B0600070205080204" pitchFamily="34" charset="-128"/>
-              </a:defRPr>
-            </a:lvl8pPr>
-            <a:lvl9pPr marL="3886200" indent="-228600" eaLnBrk="0" fontAlgn="base" hangingPunct="0">
-              <a:spcBef>
-                <a:spcPct val="0"/>
-              </a:spcBef>
-              <a:spcAft>
-                <a:spcPct val="0"/>
-              </a:spcAft>
-              <a:defRPr sz="2400">
-                <a:solidFill>
-                  <a:schemeClr val="tx1"/>
-                </a:solidFill>
-                <a:latin typeface="Times New Roman" panose="02020603050405020304" pitchFamily="18" charset="0"/>
-                <a:ea typeface="ＭＳ Ｐゴシック" panose="020B0600070205080204" pitchFamily="34" charset="-128"/>
-              </a:defRPr>
-            </a:lvl9pPr>
-          </a:lstStyle>
-          <a:p>
-            <a:pPr eaLnBrk="1" hangingPunct="1"/>
-            <a:r>
-              <a:rPr lang="en-US" sz="3600" b="1" dirty="0">
-                <a:solidFill>
-                  <a:srgbClr val="003366"/>
-                </a:solidFill>
-                <a:latin typeface="Baskerville Old Face" panose="02020602080505020303" pitchFamily="18" charset="0"/>
-              </a:rPr>
-              <a:t>MATH 4750 / MSSC 5750</a:t>
-            </a:r>
-          </a:p>
-        </p:txBody>
-      </p:sp>
-      <p:sp>
-        <p:nvSpPr>
-          <p:cNvPr id="12" name="Line 8"/>
+          <p:cNvPr id="3" name="Line 8">
+            <a:extLst>
+              <a:ext uri="{FF2B5EF4-FFF2-40B4-BE49-F238E27FC236}">
+                <a16:creationId xmlns:a16="http://schemas.microsoft.com/office/drawing/2014/main" id="{86333E2E-57B8-B9F3-C561-7EE45E9D0150}"/>
+              </a:ext>
+            </a:extLst>
+          </p:cNvPr>
           <p:cNvSpPr>
             <a:spLocks noChangeShapeType="1"/>
           </p:cNvSpPr>
@@ -1236,7 +1083,7 @@
         </p:nvSpPr>
         <p:spPr bwMode="auto">
           <a:xfrm flipV="1">
-            <a:off x="457200" y="976312"/>
+            <a:off x="266700" y="1050279"/>
             <a:ext cx="4953000" cy="17461"/>
           </a:xfrm>
           <a:prstGeom prst="line">
@@ -1261,7 +1108,131 @@
         </p:spPr>
         <p:txBody>
           <a:bodyPr/>
-          <a:lstStyle/>
+          <a:lstStyle>
+            <a:defPPr>
+              <a:defRPr lang="en-US"/>
+            </a:defPPr>
+            <a:lvl1pPr algn="l" rtl="0" fontAlgn="base">
+              <a:spcBef>
+                <a:spcPct val="0"/>
+              </a:spcBef>
+              <a:spcAft>
+                <a:spcPct val="0"/>
+              </a:spcAft>
+              <a:defRPr sz="2400" kern="1200">
+                <a:solidFill>
+                  <a:schemeClr val="tx1"/>
+                </a:solidFill>
+                <a:latin typeface="Times New Roman" panose="02020603050405020304" pitchFamily="18" charset="0"/>
+                <a:ea typeface="ＭＳ Ｐゴシック" panose="020B0600070205080204" pitchFamily="34" charset="-128"/>
+                <a:cs typeface="+mn-cs"/>
+              </a:defRPr>
+            </a:lvl1pPr>
+            <a:lvl2pPr marL="457200" algn="l" rtl="0" fontAlgn="base">
+              <a:spcBef>
+                <a:spcPct val="0"/>
+              </a:spcBef>
+              <a:spcAft>
+                <a:spcPct val="0"/>
+              </a:spcAft>
+              <a:defRPr sz="2400" kern="1200">
+                <a:solidFill>
+                  <a:schemeClr val="tx1"/>
+                </a:solidFill>
+                <a:latin typeface="Times New Roman" panose="02020603050405020304" pitchFamily="18" charset="0"/>
+                <a:ea typeface="ＭＳ Ｐゴシック" panose="020B0600070205080204" pitchFamily="34" charset="-128"/>
+                <a:cs typeface="+mn-cs"/>
+              </a:defRPr>
+            </a:lvl2pPr>
+            <a:lvl3pPr marL="914400" algn="l" rtl="0" fontAlgn="base">
+              <a:spcBef>
+                <a:spcPct val="0"/>
+              </a:spcBef>
+              <a:spcAft>
+                <a:spcPct val="0"/>
+              </a:spcAft>
+              <a:defRPr sz="2400" kern="1200">
+                <a:solidFill>
+                  <a:schemeClr val="tx1"/>
+                </a:solidFill>
+                <a:latin typeface="Times New Roman" panose="02020603050405020304" pitchFamily="18" charset="0"/>
+                <a:ea typeface="ＭＳ Ｐゴシック" panose="020B0600070205080204" pitchFamily="34" charset="-128"/>
+                <a:cs typeface="+mn-cs"/>
+              </a:defRPr>
+            </a:lvl3pPr>
+            <a:lvl4pPr marL="1371600" algn="l" rtl="0" fontAlgn="base">
+              <a:spcBef>
+                <a:spcPct val="0"/>
+              </a:spcBef>
+              <a:spcAft>
+                <a:spcPct val="0"/>
+              </a:spcAft>
+              <a:defRPr sz="2400" kern="1200">
+                <a:solidFill>
+                  <a:schemeClr val="tx1"/>
+                </a:solidFill>
+                <a:latin typeface="Times New Roman" panose="02020603050405020304" pitchFamily="18" charset="0"/>
+                <a:ea typeface="ＭＳ Ｐゴシック" panose="020B0600070205080204" pitchFamily="34" charset="-128"/>
+                <a:cs typeface="+mn-cs"/>
+              </a:defRPr>
+            </a:lvl4pPr>
+            <a:lvl5pPr marL="1828800" algn="l" rtl="0" fontAlgn="base">
+              <a:spcBef>
+                <a:spcPct val="0"/>
+              </a:spcBef>
+              <a:spcAft>
+                <a:spcPct val="0"/>
+              </a:spcAft>
+              <a:defRPr sz="2400" kern="1200">
+                <a:solidFill>
+                  <a:schemeClr val="tx1"/>
+                </a:solidFill>
+                <a:latin typeface="Times New Roman" panose="02020603050405020304" pitchFamily="18" charset="0"/>
+                <a:ea typeface="ＭＳ Ｐゴシック" panose="020B0600070205080204" pitchFamily="34" charset="-128"/>
+                <a:cs typeface="+mn-cs"/>
+              </a:defRPr>
+            </a:lvl5pPr>
+            <a:lvl6pPr marL="2286000" algn="l" defTabSz="914400" rtl="0" eaLnBrk="1" latinLnBrk="0" hangingPunct="1">
+              <a:defRPr sz="2400" kern="1200">
+                <a:solidFill>
+                  <a:schemeClr val="tx1"/>
+                </a:solidFill>
+                <a:latin typeface="Times New Roman" panose="02020603050405020304" pitchFamily="18" charset="0"/>
+                <a:ea typeface="ＭＳ Ｐゴシック" panose="020B0600070205080204" pitchFamily="34" charset="-128"/>
+                <a:cs typeface="+mn-cs"/>
+              </a:defRPr>
+            </a:lvl6pPr>
+            <a:lvl7pPr marL="2743200" algn="l" defTabSz="914400" rtl="0" eaLnBrk="1" latinLnBrk="0" hangingPunct="1">
+              <a:defRPr sz="2400" kern="1200">
+                <a:solidFill>
+                  <a:schemeClr val="tx1"/>
+                </a:solidFill>
+                <a:latin typeface="Times New Roman" panose="02020603050405020304" pitchFamily="18" charset="0"/>
+                <a:ea typeface="ＭＳ Ｐゴシック" panose="020B0600070205080204" pitchFamily="34" charset="-128"/>
+                <a:cs typeface="+mn-cs"/>
+              </a:defRPr>
+            </a:lvl7pPr>
+            <a:lvl8pPr marL="3200400" algn="l" defTabSz="914400" rtl="0" eaLnBrk="1" latinLnBrk="0" hangingPunct="1">
+              <a:defRPr sz="2400" kern="1200">
+                <a:solidFill>
+                  <a:schemeClr val="tx1"/>
+                </a:solidFill>
+                <a:latin typeface="Times New Roman" panose="02020603050405020304" pitchFamily="18" charset="0"/>
+                <a:ea typeface="ＭＳ Ｐゴシック" panose="020B0600070205080204" pitchFamily="34" charset="-128"/>
+                <a:cs typeface="+mn-cs"/>
+              </a:defRPr>
+            </a:lvl8pPr>
+            <a:lvl9pPr marL="3657600" algn="l" defTabSz="914400" rtl="0" eaLnBrk="1" latinLnBrk="0" hangingPunct="1">
+              <a:defRPr sz="2400" kern="1200">
+                <a:solidFill>
+                  <a:schemeClr val="tx1"/>
+                </a:solidFill>
+                <a:latin typeface="Times New Roman" panose="02020603050405020304" pitchFamily="18" charset="0"/>
+                <a:ea typeface="ＭＳ Ｐゴシック" panose="020B0600070205080204" pitchFamily="34" charset="-128"/>
+                <a:cs typeface="+mn-cs"/>
+              </a:defRPr>
+            </a:lvl9pPr>
+          </a:lstStyle>
           <a:p>
             <a:endParaRPr lang="en-US"/>
           </a:p>
@@ -1269,7 +1240,13 @@
       </p:sp>
       <p:sp>
         <p:nvSpPr>
-          <p:cNvPr id="13" name="Rectangle 9"/>
+          <p:cNvPr id="4" name="Rectangle 3">
+            <a:extLst>
+              <a:ext uri="{FF2B5EF4-FFF2-40B4-BE49-F238E27FC236}">
+                <a16:creationId xmlns:a16="http://schemas.microsoft.com/office/drawing/2014/main" id="{1E532C0F-EB74-9EBA-63D6-47FDC64F74D5}"/>
+              </a:ext>
+            </a:extLst>
+          </p:cNvPr>
           <p:cNvSpPr>
             <a:spLocks noChangeArrowheads="1"/>
           </p:cNvSpPr>
@@ -1277,7 +1254,7 @@
         </p:nvSpPr>
         <p:spPr bwMode="auto">
           <a:xfrm>
-            <a:off x="381000" y="1003300"/>
+            <a:off x="190500" y="1077267"/>
             <a:ext cx="5105400" cy="520700"/>
           </a:xfrm>
           <a:prstGeom prst="rect">
@@ -1310,109 +1287,151 @@
         <p:txBody>
           <a:bodyPr/>
           <a:lstStyle>
-            <a:lvl1pPr marL="342900" indent="-342900" eaLnBrk="0" hangingPunct="0">
-              <a:defRPr sz="2400">
-                <a:solidFill>
-                  <a:schemeClr val="tx1"/>
-                </a:solidFill>
-                <a:latin typeface="Times New Roman" panose="02020603050405020304" pitchFamily="18" charset="0"/>
-                <a:ea typeface="ＭＳ Ｐゴシック" panose="020B0600070205080204" pitchFamily="34" charset="-128"/>
-              </a:defRPr>
-            </a:lvl1pPr>
-            <a:lvl2pPr marL="742950" indent="-285750" eaLnBrk="0" hangingPunct="0">
-              <a:defRPr sz="2400">
-                <a:solidFill>
-                  <a:schemeClr val="tx1"/>
-                </a:solidFill>
-                <a:latin typeface="Times New Roman" panose="02020603050405020304" pitchFamily="18" charset="0"/>
-                <a:ea typeface="ＭＳ Ｐゴシック" panose="020B0600070205080204" pitchFamily="34" charset="-128"/>
-              </a:defRPr>
-            </a:lvl2pPr>
-            <a:lvl3pPr marL="1143000" indent="-228600" eaLnBrk="0" hangingPunct="0">
-              <a:defRPr sz="2400">
-                <a:solidFill>
-                  <a:schemeClr val="tx1"/>
-                </a:solidFill>
-                <a:latin typeface="Times New Roman" panose="02020603050405020304" pitchFamily="18" charset="0"/>
-                <a:ea typeface="ＭＳ Ｐゴシック" panose="020B0600070205080204" pitchFamily="34" charset="-128"/>
-              </a:defRPr>
-            </a:lvl3pPr>
-            <a:lvl4pPr marL="1600200" indent="-228600" eaLnBrk="0" hangingPunct="0">
-              <a:defRPr sz="2400">
-                <a:solidFill>
-                  <a:schemeClr val="tx1"/>
-                </a:solidFill>
-                <a:latin typeface="Times New Roman" panose="02020603050405020304" pitchFamily="18" charset="0"/>
-                <a:ea typeface="ＭＳ Ｐゴシック" panose="020B0600070205080204" pitchFamily="34" charset="-128"/>
-              </a:defRPr>
-            </a:lvl4pPr>
-            <a:lvl5pPr marL="2057400" indent="-228600" eaLnBrk="0" hangingPunct="0">
-              <a:defRPr sz="2400">
-                <a:solidFill>
-                  <a:schemeClr val="tx1"/>
-                </a:solidFill>
-                <a:latin typeface="Times New Roman" panose="02020603050405020304" pitchFamily="18" charset="0"/>
-                <a:ea typeface="ＭＳ Ｐゴシック" panose="020B0600070205080204" pitchFamily="34" charset="-128"/>
-              </a:defRPr>
-            </a:lvl5pPr>
-            <a:lvl6pPr marL="2514600" indent="-228600" eaLnBrk="0" fontAlgn="base" hangingPunct="0">
+            <a:defPPr>
+              <a:defRPr lang="en-US"/>
+            </a:defPPr>
+            <a:lvl1pPr marL="342900" indent="-342900" algn="l" rtl="0" eaLnBrk="0" fontAlgn="base" hangingPunct="0">
               <a:spcBef>
                 <a:spcPct val="0"/>
               </a:spcBef>
               <a:spcAft>
                 <a:spcPct val="0"/>
               </a:spcAft>
-              <a:defRPr sz="2400">
-                <a:solidFill>
-                  <a:schemeClr val="tx1"/>
-                </a:solidFill>
-                <a:latin typeface="Times New Roman" panose="02020603050405020304" pitchFamily="18" charset="0"/>
-                <a:ea typeface="ＭＳ Ｐゴシック" panose="020B0600070205080204" pitchFamily="34" charset="-128"/>
-              </a:defRPr>
-            </a:lvl6pPr>
-            <a:lvl7pPr marL="2971800" indent="-228600" eaLnBrk="0" fontAlgn="base" hangingPunct="0">
+              <a:defRPr sz="2400" kern="1200">
+                <a:solidFill>
+                  <a:schemeClr val="tx1"/>
+                </a:solidFill>
+                <a:latin typeface="Times New Roman" panose="02020603050405020304" pitchFamily="18" charset="0"/>
+                <a:ea typeface="ＭＳ Ｐゴシック" panose="020B0600070205080204" pitchFamily="34" charset="-128"/>
+                <a:cs typeface="+mn-cs"/>
+              </a:defRPr>
+            </a:lvl1pPr>
+            <a:lvl2pPr marL="742950" indent="-285750" algn="l" rtl="0" eaLnBrk="0" fontAlgn="base" hangingPunct="0">
               <a:spcBef>
                 <a:spcPct val="0"/>
               </a:spcBef>
               <a:spcAft>
                 <a:spcPct val="0"/>
               </a:spcAft>
-              <a:defRPr sz="2400">
-                <a:solidFill>
-                  <a:schemeClr val="tx1"/>
-                </a:solidFill>
-                <a:latin typeface="Times New Roman" panose="02020603050405020304" pitchFamily="18" charset="0"/>
-                <a:ea typeface="ＭＳ Ｐゴシック" panose="020B0600070205080204" pitchFamily="34" charset="-128"/>
-              </a:defRPr>
-            </a:lvl7pPr>
-            <a:lvl8pPr marL="3429000" indent="-228600" eaLnBrk="0" fontAlgn="base" hangingPunct="0">
+              <a:defRPr sz="2400" kern="1200">
+                <a:solidFill>
+                  <a:schemeClr val="tx1"/>
+                </a:solidFill>
+                <a:latin typeface="Times New Roman" panose="02020603050405020304" pitchFamily="18" charset="0"/>
+                <a:ea typeface="ＭＳ Ｐゴシック" panose="020B0600070205080204" pitchFamily="34" charset="-128"/>
+                <a:cs typeface="+mn-cs"/>
+              </a:defRPr>
+            </a:lvl2pPr>
+            <a:lvl3pPr marL="1143000" indent="-228600" algn="l" rtl="0" eaLnBrk="0" fontAlgn="base" hangingPunct="0">
               <a:spcBef>
                 <a:spcPct val="0"/>
               </a:spcBef>
               <a:spcAft>
                 <a:spcPct val="0"/>
               </a:spcAft>
-              <a:defRPr sz="2400">
-                <a:solidFill>
-                  <a:schemeClr val="tx1"/>
-                </a:solidFill>
-                <a:latin typeface="Times New Roman" panose="02020603050405020304" pitchFamily="18" charset="0"/>
-                <a:ea typeface="ＭＳ Ｐゴシック" panose="020B0600070205080204" pitchFamily="34" charset="-128"/>
-              </a:defRPr>
-            </a:lvl8pPr>
-            <a:lvl9pPr marL="3886200" indent="-228600" eaLnBrk="0" fontAlgn="base" hangingPunct="0">
+              <a:defRPr sz="2400" kern="1200">
+                <a:solidFill>
+                  <a:schemeClr val="tx1"/>
+                </a:solidFill>
+                <a:latin typeface="Times New Roman" panose="02020603050405020304" pitchFamily="18" charset="0"/>
+                <a:ea typeface="ＭＳ Ｐゴシック" panose="020B0600070205080204" pitchFamily="34" charset="-128"/>
+                <a:cs typeface="+mn-cs"/>
+              </a:defRPr>
+            </a:lvl3pPr>
+            <a:lvl4pPr marL="1600200" indent="-228600" algn="l" rtl="0" eaLnBrk="0" fontAlgn="base" hangingPunct="0">
               <a:spcBef>
                 <a:spcPct val="0"/>
               </a:spcBef>
               <a:spcAft>
                 <a:spcPct val="0"/>
               </a:spcAft>
-              <a:defRPr sz="2400">
-                <a:solidFill>
-                  <a:schemeClr val="tx1"/>
-                </a:solidFill>
-                <a:latin typeface="Times New Roman" panose="02020603050405020304" pitchFamily="18" charset="0"/>
-                <a:ea typeface="ＭＳ Ｐゴシック" panose="020B0600070205080204" pitchFamily="34" charset="-128"/>
+              <a:defRPr sz="2400" kern="1200">
+                <a:solidFill>
+                  <a:schemeClr val="tx1"/>
+                </a:solidFill>
+                <a:latin typeface="Times New Roman" panose="02020603050405020304" pitchFamily="18" charset="0"/>
+                <a:ea typeface="ＭＳ Ｐゴシック" panose="020B0600070205080204" pitchFamily="34" charset="-128"/>
+                <a:cs typeface="+mn-cs"/>
+              </a:defRPr>
+            </a:lvl4pPr>
+            <a:lvl5pPr marL="2057400" indent="-228600" algn="l" rtl="0" eaLnBrk="0" fontAlgn="base" hangingPunct="0">
+              <a:spcBef>
+                <a:spcPct val="0"/>
+              </a:spcBef>
+              <a:spcAft>
+                <a:spcPct val="0"/>
+              </a:spcAft>
+              <a:defRPr sz="2400" kern="1200">
+                <a:solidFill>
+                  <a:schemeClr val="tx1"/>
+                </a:solidFill>
+                <a:latin typeface="Times New Roman" panose="02020603050405020304" pitchFamily="18" charset="0"/>
+                <a:ea typeface="ＭＳ Ｐゴシック" panose="020B0600070205080204" pitchFamily="34" charset="-128"/>
+                <a:cs typeface="+mn-cs"/>
+              </a:defRPr>
+            </a:lvl5pPr>
+            <a:lvl6pPr marL="2514600" indent="-228600" algn="l" defTabSz="914400" rtl="0" eaLnBrk="0" fontAlgn="base" latinLnBrk="0" hangingPunct="0">
+              <a:spcBef>
+                <a:spcPct val="0"/>
+              </a:spcBef>
+              <a:spcAft>
+                <a:spcPct val="0"/>
+              </a:spcAft>
+              <a:defRPr sz="2400" kern="1200">
+                <a:solidFill>
+                  <a:schemeClr val="tx1"/>
+                </a:solidFill>
+                <a:latin typeface="Times New Roman" panose="02020603050405020304" pitchFamily="18" charset="0"/>
+                <a:ea typeface="ＭＳ Ｐゴシック" panose="020B0600070205080204" pitchFamily="34" charset="-128"/>
+                <a:cs typeface="+mn-cs"/>
+              </a:defRPr>
+            </a:lvl6pPr>
+            <a:lvl7pPr marL="2971800" indent="-228600" algn="l" defTabSz="914400" rtl="0" eaLnBrk="0" fontAlgn="base" latinLnBrk="0" hangingPunct="0">
+              <a:spcBef>
+                <a:spcPct val="0"/>
+              </a:spcBef>
+              <a:spcAft>
+                <a:spcPct val="0"/>
+              </a:spcAft>
+              <a:defRPr sz="2400" kern="1200">
+                <a:solidFill>
+                  <a:schemeClr val="tx1"/>
+                </a:solidFill>
+                <a:latin typeface="Times New Roman" panose="02020603050405020304" pitchFamily="18" charset="0"/>
+                <a:ea typeface="ＭＳ Ｐゴシック" panose="020B0600070205080204" pitchFamily="34" charset="-128"/>
+                <a:cs typeface="+mn-cs"/>
+              </a:defRPr>
+            </a:lvl7pPr>
+            <a:lvl8pPr marL="3429000" indent="-228600" algn="l" defTabSz="914400" rtl="0" eaLnBrk="0" fontAlgn="base" latinLnBrk="0" hangingPunct="0">
+              <a:spcBef>
+                <a:spcPct val="0"/>
+              </a:spcBef>
+              <a:spcAft>
+                <a:spcPct val="0"/>
+              </a:spcAft>
+              <a:defRPr sz="2400" kern="1200">
+                <a:solidFill>
+                  <a:schemeClr val="tx1"/>
+                </a:solidFill>
+                <a:latin typeface="Times New Roman" panose="02020603050405020304" pitchFamily="18" charset="0"/>
+                <a:ea typeface="ＭＳ Ｐゴシック" panose="020B0600070205080204" pitchFamily="34" charset="-128"/>
+                <a:cs typeface="+mn-cs"/>
+              </a:defRPr>
+            </a:lvl8pPr>
+            <a:lvl9pPr marL="3886200" indent="-228600" algn="l" defTabSz="914400" rtl="0" eaLnBrk="0" fontAlgn="base" latinLnBrk="0" hangingPunct="0">
+              <a:spcBef>
+                <a:spcPct val="0"/>
+              </a:spcBef>
+              <a:spcAft>
+                <a:spcPct val="0"/>
+              </a:spcAft>
+              <a:defRPr sz="2400" kern="1200">
+                <a:solidFill>
+                  <a:schemeClr val="tx1"/>
+                </a:solidFill>
+                <a:latin typeface="Times New Roman" panose="02020603050405020304" pitchFamily="18" charset="0"/>
+                <a:ea typeface="ＭＳ Ｐゴシック" panose="020B0600070205080204" pitchFamily="34" charset="-128"/>
+                <a:cs typeface="+mn-cs"/>
               </a:defRPr>
             </a:lvl9pPr>
           </a:lstStyle>
@@ -1447,13 +1466,19 @@
       </p:sp>
       <p:sp>
         <p:nvSpPr>
-          <p:cNvPr id="15" name="TextBox 14"/>
+          <p:cNvPr id="5" name="TextBox 14">
+            <a:extLst>
+              <a:ext uri="{FF2B5EF4-FFF2-40B4-BE49-F238E27FC236}">
+                <a16:creationId xmlns:a16="http://schemas.microsoft.com/office/drawing/2014/main" id="{55BE8F33-6F74-788F-4E83-8353ACB1F24D}"/>
+              </a:ext>
+            </a:extLst>
+          </p:cNvPr>
           <p:cNvSpPr txBox="1"/>
           <p:nvPr userDrawn="1"/>
         </p:nvSpPr>
         <p:spPr>
           <a:xfrm>
-            <a:off x="381000" y="5791200"/>
+            <a:off x="190500" y="5865167"/>
             <a:ext cx="6477286" cy="461665"/>
           </a:xfrm>
           <a:prstGeom prst="rect">
@@ -1465,7 +1490,131 @@
           <a:bodyPr wrap="none" rtlCol="0">
             <a:spAutoFit/>
           </a:bodyPr>
-          <a:lstStyle/>
+          <a:lstStyle>
+            <a:defPPr>
+              <a:defRPr lang="en-US"/>
+            </a:defPPr>
+            <a:lvl1pPr algn="l" rtl="0" fontAlgn="base">
+              <a:spcBef>
+                <a:spcPct val="0"/>
+              </a:spcBef>
+              <a:spcAft>
+                <a:spcPct val="0"/>
+              </a:spcAft>
+              <a:defRPr sz="2400" kern="1200">
+                <a:solidFill>
+                  <a:schemeClr val="tx1"/>
+                </a:solidFill>
+                <a:latin typeface="Times New Roman" panose="02020603050405020304" pitchFamily="18" charset="0"/>
+                <a:ea typeface="ＭＳ Ｐゴシック" panose="020B0600070205080204" pitchFamily="34" charset="-128"/>
+                <a:cs typeface="+mn-cs"/>
+              </a:defRPr>
+            </a:lvl1pPr>
+            <a:lvl2pPr marL="457200" algn="l" rtl="0" fontAlgn="base">
+              <a:spcBef>
+                <a:spcPct val="0"/>
+              </a:spcBef>
+              <a:spcAft>
+                <a:spcPct val="0"/>
+              </a:spcAft>
+              <a:defRPr sz="2400" kern="1200">
+                <a:solidFill>
+                  <a:schemeClr val="tx1"/>
+                </a:solidFill>
+                <a:latin typeface="Times New Roman" panose="02020603050405020304" pitchFamily="18" charset="0"/>
+                <a:ea typeface="ＭＳ Ｐゴシック" panose="020B0600070205080204" pitchFamily="34" charset="-128"/>
+                <a:cs typeface="+mn-cs"/>
+              </a:defRPr>
+            </a:lvl2pPr>
+            <a:lvl3pPr marL="914400" algn="l" rtl="0" fontAlgn="base">
+              <a:spcBef>
+                <a:spcPct val="0"/>
+              </a:spcBef>
+              <a:spcAft>
+                <a:spcPct val="0"/>
+              </a:spcAft>
+              <a:defRPr sz="2400" kern="1200">
+                <a:solidFill>
+                  <a:schemeClr val="tx1"/>
+                </a:solidFill>
+                <a:latin typeface="Times New Roman" panose="02020603050405020304" pitchFamily="18" charset="0"/>
+                <a:ea typeface="ＭＳ Ｐゴシック" panose="020B0600070205080204" pitchFamily="34" charset="-128"/>
+                <a:cs typeface="+mn-cs"/>
+              </a:defRPr>
+            </a:lvl3pPr>
+            <a:lvl4pPr marL="1371600" algn="l" rtl="0" fontAlgn="base">
+              <a:spcBef>
+                <a:spcPct val="0"/>
+              </a:spcBef>
+              <a:spcAft>
+                <a:spcPct val="0"/>
+              </a:spcAft>
+              <a:defRPr sz="2400" kern="1200">
+                <a:solidFill>
+                  <a:schemeClr val="tx1"/>
+                </a:solidFill>
+                <a:latin typeface="Times New Roman" panose="02020603050405020304" pitchFamily="18" charset="0"/>
+                <a:ea typeface="ＭＳ Ｐゴシック" panose="020B0600070205080204" pitchFamily="34" charset="-128"/>
+                <a:cs typeface="+mn-cs"/>
+              </a:defRPr>
+            </a:lvl4pPr>
+            <a:lvl5pPr marL="1828800" algn="l" rtl="0" fontAlgn="base">
+              <a:spcBef>
+                <a:spcPct val="0"/>
+              </a:spcBef>
+              <a:spcAft>
+                <a:spcPct val="0"/>
+              </a:spcAft>
+              <a:defRPr sz="2400" kern="1200">
+                <a:solidFill>
+                  <a:schemeClr val="tx1"/>
+                </a:solidFill>
+                <a:latin typeface="Times New Roman" panose="02020603050405020304" pitchFamily="18" charset="0"/>
+                <a:ea typeface="ＭＳ Ｐゴシック" panose="020B0600070205080204" pitchFamily="34" charset="-128"/>
+                <a:cs typeface="+mn-cs"/>
+              </a:defRPr>
+            </a:lvl5pPr>
+            <a:lvl6pPr marL="2286000" algn="l" defTabSz="914400" rtl="0" eaLnBrk="1" latinLnBrk="0" hangingPunct="1">
+              <a:defRPr sz="2400" kern="1200">
+                <a:solidFill>
+                  <a:schemeClr val="tx1"/>
+                </a:solidFill>
+                <a:latin typeface="Times New Roman" panose="02020603050405020304" pitchFamily="18" charset="0"/>
+                <a:ea typeface="ＭＳ Ｐゴシック" panose="020B0600070205080204" pitchFamily="34" charset="-128"/>
+                <a:cs typeface="+mn-cs"/>
+              </a:defRPr>
+            </a:lvl6pPr>
+            <a:lvl7pPr marL="2743200" algn="l" defTabSz="914400" rtl="0" eaLnBrk="1" latinLnBrk="0" hangingPunct="1">
+              <a:defRPr sz="2400" kern="1200">
+                <a:solidFill>
+                  <a:schemeClr val="tx1"/>
+                </a:solidFill>
+                <a:latin typeface="Times New Roman" panose="02020603050405020304" pitchFamily="18" charset="0"/>
+                <a:ea typeface="ＭＳ Ｐゴシック" panose="020B0600070205080204" pitchFamily="34" charset="-128"/>
+                <a:cs typeface="+mn-cs"/>
+              </a:defRPr>
+            </a:lvl7pPr>
+            <a:lvl8pPr marL="3200400" algn="l" defTabSz="914400" rtl="0" eaLnBrk="1" latinLnBrk="0" hangingPunct="1">
+              <a:defRPr sz="2400" kern="1200">
+                <a:solidFill>
+                  <a:schemeClr val="tx1"/>
+                </a:solidFill>
+                <a:latin typeface="Times New Roman" panose="02020603050405020304" pitchFamily="18" charset="0"/>
+                <a:ea typeface="ＭＳ Ｐゴシック" panose="020B0600070205080204" pitchFamily="34" charset="-128"/>
+                <a:cs typeface="+mn-cs"/>
+              </a:defRPr>
+            </a:lvl8pPr>
+            <a:lvl9pPr marL="3657600" algn="l" defTabSz="914400" rtl="0" eaLnBrk="1" latinLnBrk="0" hangingPunct="1">
+              <a:defRPr sz="2400" kern="1200">
+                <a:solidFill>
+                  <a:schemeClr val="tx1"/>
+                </a:solidFill>
+                <a:latin typeface="Times New Roman" panose="02020603050405020304" pitchFamily="18" charset="0"/>
+                <a:ea typeface="ＭＳ Ｐゴシック" panose="020B0600070205080204" pitchFamily="34" charset="-128"/>
+                <a:cs typeface="+mn-cs"/>
+              </a:defRPr>
+            </a:lvl9pPr>
+          </a:lstStyle>
           <a:p>
             <a:r>
               <a:rPr lang="en-US" b="0" dirty="0">
@@ -1476,6 +1625,1585 @@
               </a:rPr>
               <a:t>Department of Mathematical and Statistical Sciences</a:t>
             </a:r>
+          </a:p>
+        </p:txBody>
+      </p:sp>
+      <p:sp>
+        <p:nvSpPr>
+          <p:cNvPr id="6" name="Line 8">
+            <a:extLst>
+              <a:ext uri="{FF2B5EF4-FFF2-40B4-BE49-F238E27FC236}">
+                <a16:creationId xmlns:a16="http://schemas.microsoft.com/office/drawing/2014/main" id="{52469704-EF7C-0B16-45FB-989DBCD13D80}"/>
+              </a:ext>
+            </a:extLst>
+          </p:cNvPr>
+          <p:cNvSpPr>
+            <a:spLocks noChangeShapeType="1"/>
+          </p:cNvSpPr>
+          <p:nvPr userDrawn="1"/>
+        </p:nvSpPr>
+        <p:spPr bwMode="auto">
+          <a:xfrm flipV="1">
+            <a:off x="266700" y="1050279"/>
+            <a:ext cx="4953000" cy="17461"/>
+          </a:xfrm>
+          <a:prstGeom prst="line">
+            <a:avLst/>
+          </a:prstGeom>
+          <a:noFill/>
+          <a:ln w="28575">
+            <a:solidFill>
+              <a:srgbClr val="FFCC00"/>
+            </a:solidFill>
+            <a:round/>
+            <a:headEnd/>
+            <a:tailEnd/>
+          </a:ln>
+          <a:extLst>
+            <a:ext uri="{909E8E84-426E-40DD-AFC4-6F175D3DCCD1}">
+              <a14:hiddenFill xmlns:a14="http://schemas.microsoft.com/office/drawing/2010/main">
+                <a:noFill/>
+              </a14:hiddenFill>
+            </a:ext>
+          </a:extLst>
+        </p:spPr>
+        <p:txBody>
+          <a:bodyPr/>
+          <a:lstStyle>
+            <a:defPPr>
+              <a:defRPr lang="en-US"/>
+            </a:defPPr>
+            <a:lvl1pPr algn="l" rtl="0" fontAlgn="base">
+              <a:spcBef>
+                <a:spcPct val="0"/>
+              </a:spcBef>
+              <a:spcAft>
+                <a:spcPct val="0"/>
+              </a:spcAft>
+              <a:defRPr sz="2400" kern="1200">
+                <a:solidFill>
+                  <a:schemeClr val="tx1"/>
+                </a:solidFill>
+                <a:latin typeface="Times New Roman" panose="02020603050405020304" pitchFamily="18" charset="0"/>
+                <a:ea typeface="ＭＳ Ｐゴシック" panose="020B0600070205080204" pitchFamily="34" charset="-128"/>
+                <a:cs typeface="+mn-cs"/>
+              </a:defRPr>
+            </a:lvl1pPr>
+            <a:lvl2pPr marL="457200" algn="l" rtl="0" fontAlgn="base">
+              <a:spcBef>
+                <a:spcPct val="0"/>
+              </a:spcBef>
+              <a:spcAft>
+                <a:spcPct val="0"/>
+              </a:spcAft>
+              <a:defRPr sz="2400" kern="1200">
+                <a:solidFill>
+                  <a:schemeClr val="tx1"/>
+                </a:solidFill>
+                <a:latin typeface="Times New Roman" panose="02020603050405020304" pitchFamily="18" charset="0"/>
+                <a:ea typeface="ＭＳ Ｐゴシック" panose="020B0600070205080204" pitchFamily="34" charset="-128"/>
+                <a:cs typeface="+mn-cs"/>
+              </a:defRPr>
+            </a:lvl2pPr>
+            <a:lvl3pPr marL="914400" algn="l" rtl="0" fontAlgn="base">
+              <a:spcBef>
+                <a:spcPct val="0"/>
+              </a:spcBef>
+              <a:spcAft>
+                <a:spcPct val="0"/>
+              </a:spcAft>
+              <a:defRPr sz="2400" kern="1200">
+                <a:solidFill>
+                  <a:schemeClr val="tx1"/>
+                </a:solidFill>
+                <a:latin typeface="Times New Roman" panose="02020603050405020304" pitchFamily="18" charset="0"/>
+                <a:ea typeface="ＭＳ Ｐゴシック" panose="020B0600070205080204" pitchFamily="34" charset="-128"/>
+                <a:cs typeface="+mn-cs"/>
+              </a:defRPr>
+            </a:lvl3pPr>
+            <a:lvl4pPr marL="1371600" algn="l" rtl="0" fontAlgn="base">
+              <a:spcBef>
+                <a:spcPct val="0"/>
+              </a:spcBef>
+              <a:spcAft>
+                <a:spcPct val="0"/>
+              </a:spcAft>
+              <a:defRPr sz="2400" kern="1200">
+                <a:solidFill>
+                  <a:schemeClr val="tx1"/>
+                </a:solidFill>
+                <a:latin typeface="Times New Roman" panose="02020603050405020304" pitchFamily="18" charset="0"/>
+                <a:ea typeface="ＭＳ Ｐゴシック" panose="020B0600070205080204" pitchFamily="34" charset="-128"/>
+                <a:cs typeface="+mn-cs"/>
+              </a:defRPr>
+            </a:lvl4pPr>
+            <a:lvl5pPr marL="1828800" algn="l" rtl="0" fontAlgn="base">
+              <a:spcBef>
+                <a:spcPct val="0"/>
+              </a:spcBef>
+              <a:spcAft>
+                <a:spcPct val="0"/>
+              </a:spcAft>
+              <a:defRPr sz="2400" kern="1200">
+                <a:solidFill>
+                  <a:schemeClr val="tx1"/>
+                </a:solidFill>
+                <a:latin typeface="Times New Roman" panose="02020603050405020304" pitchFamily="18" charset="0"/>
+                <a:ea typeface="ＭＳ Ｐゴシック" panose="020B0600070205080204" pitchFamily="34" charset="-128"/>
+                <a:cs typeface="+mn-cs"/>
+              </a:defRPr>
+            </a:lvl5pPr>
+            <a:lvl6pPr marL="2286000" algn="l" defTabSz="914400" rtl="0" eaLnBrk="1" latinLnBrk="0" hangingPunct="1">
+              <a:defRPr sz="2400" kern="1200">
+                <a:solidFill>
+                  <a:schemeClr val="tx1"/>
+                </a:solidFill>
+                <a:latin typeface="Times New Roman" panose="02020603050405020304" pitchFamily="18" charset="0"/>
+                <a:ea typeface="ＭＳ Ｐゴシック" panose="020B0600070205080204" pitchFamily="34" charset="-128"/>
+                <a:cs typeface="+mn-cs"/>
+              </a:defRPr>
+            </a:lvl6pPr>
+            <a:lvl7pPr marL="2743200" algn="l" defTabSz="914400" rtl="0" eaLnBrk="1" latinLnBrk="0" hangingPunct="1">
+              <a:defRPr sz="2400" kern="1200">
+                <a:solidFill>
+                  <a:schemeClr val="tx1"/>
+                </a:solidFill>
+                <a:latin typeface="Times New Roman" panose="02020603050405020304" pitchFamily="18" charset="0"/>
+                <a:ea typeface="ＭＳ Ｐゴシック" panose="020B0600070205080204" pitchFamily="34" charset="-128"/>
+                <a:cs typeface="+mn-cs"/>
+              </a:defRPr>
+            </a:lvl7pPr>
+            <a:lvl8pPr marL="3200400" algn="l" defTabSz="914400" rtl="0" eaLnBrk="1" latinLnBrk="0" hangingPunct="1">
+              <a:defRPr sz="2400" kern="1200">
+                <a:solidFill>
+                  <a:schemeClr val="tx1"/>
+                </a:solidFill>
+                <a:latin typeface="Times New Roman" panose="02020603050405020304" pitchFamily="18" charset="0"/>
+                <a:ea typeface="ＭＳ Ｐゴシック" panose="020B0600070205080204" pitchFamily="34" charset="-128"/>
+                <a:cs typeface="+mn-cs"/>
+              </a:defRPr>
+            </a:lvl8pPr>
+            <a:lvl9pPr marL="3657600" algn="l" defTabSz="914400" rtl="0" eaLnBrk="1" latinLnBrk="0" hangingPunct="1">
+              <a:defRPr sz="2400" kern="1200">
+                <a:solidFill>
+                  <a:schemeClr val="tx1"/>
+                </a:solidFill>
+                <a:latin typeface="Times New Roman" panose="02020603050405020304" pitchFamily="18" charset="0"/>
+                <a:ea typeface="ＭＳ Ｐゴシック" panose="020B0600070205080204" pitchFamily="34" charset="-128"/>
+                <a:cs typeface="+mn-cs"/>
+              </a:defRPr>
+            </a:lvl9pPr>
+          </a:lstStyle>
+          <a:p>
+            <a:endParaRPr lang="en-US"/>
+          </a:p>
+        </p:txBody>
+      </p:sp>
+      <p:sp>
+        <p:nvSpPr>
+          <p:cNvPr id="7" name="Line 8">
+            <a:extLst>
+              <a:ext uri="{FF2B5EF4-FFF2-40B4-BE49-F238E27FC236}">
+                <a16:creationId xmlns:a16="http://schemas.microsoft.com/office/drawing/2014/main" id="{44231CE7-22D0-3EAC-A8B3-D7E0469E05D9}"/>
+              </a:ext>
+            </a:extLst>
+          </p:cNvPr>
+          <p:cNvSpPr>
+            <a:spLocks noChangeShapeType="1"/>
+          </p:cNvSpPr>
+          <p:nvPr userDrawn="1"/>
+        </p:nvSpPr>
+        <p:spPr bwMode="auto">
+          <a:xfrm flipV="1">
+            <a:off x="266700" y="1050279"/>
+            <a:ext cx="4953000" cy="17461"/>
+          </a:xfrm>
+          <a:prstGeom prst="line">
+            <a:avLst/>
+          </a:prstGeom>
+          <a:noFill/>
+          <a:ln w="28575">
+            <a:solidFill>
+              <a:srgbClr val="FFCC00"/>
+            </a:solidFill>
+            <a:round/>
+            <a:headEnd/>
+            <a:tailEnd/>
+          </a:ln>
+          <a:extLst>
+            <a:ext uri="{909E8E84-426E-40DD-AFC4-6F175D3DCCD1}">
+              <a14:hiddenFill xmlns:a14="http://schemas.microsoft.com/office/drawing/2010/main">
+                <a:noFill/>
+              </a14:hiddenFill>
+            </a:ext>
+          </a:extLst>
+        </p:spPr>
+        <p:txBody>
+          <a:bodyPr/>
+          <a:lstStyle>
+            <a:defPPr>
+              <a:defRPr lang="en-US"/>
+            </a:defPPr>
+            <a:lvl1pPr algn="l" rtl="0" fontAlgn="base">
+              <a:spcBef>
+                <a:spcPct val="0"/>
+              </a:spcBef>
+              <a:spcAft>
+                <a:spcPct val="0"/>
+              </a:spcAft>
+              <a:defRPr sz="2400" kern="1200">
+                <a:solidFill>
+                  <a:schemeClr val="tx1"/>
+                </a:solidFill>
+                <a:latin typeface="Times New Roman" panose="02020603050405020304" pitchFamily="18" charset="0"/>
+                <a:ea typeface="ＭＳ Ｐゴシック" panose="020B0600070205080204" pitchFamily="34" charset="-128"/>
+                <a:cs typeface="+mn-cs"/>
+              </a:defRPr>
+            </a:lvl1pPr>
+            <a:lvl2pPr marL="457200" algn="l" rtl="0" fontAlgn="base">
+              <a:spcBef>
+                <a:spcPct val="0"/>
+              </a:spcBef>
+              <a:spcAft>
+                <a:spcPct val="0"/>
+              </a:spcAft>
+              <a:defRPr sz="2400" kern="1200">
+                <a:solidFill>
+                  <a:schemeClr val="tx1"/>
+                </a:solidFill>
+                <a:latin typeface="Times New Roman" panose="02020603050405020304" pitchFamily="18" charset="0"/>
+                <a:ea typeface="ＭＳ Ｐゴシック" panose="020B0600070205080204" pitchFamily="34" charset="-128"/>
+                <a:cs typeface="+mn-cs"/>
+              </a:defRPr>
+            </a:lvl2pPr>
+            <a:lvl3pPr marL="914400" algn="l" rtl="0" fontAlgn="base">
+              <a:spcBef>
+                <a:spcPct val="0"/>
+              </a:spcBef>
+              <a:spcAft>
+                <a:spcPct val="0"/>
+              </a:spcAft>
+              <a:defRPr sz="2400" kern="1200">
+                <a:solidFill>
+                  <a:schemeClr val="tx1"/>
+                </a:solidFill>
+                <a:latin typeface="Times New Roman" panose="02020603050405020304" pitchFamily="18" charset="0"/>
+                <a:ea typeface="ＭＳ Ｐゴシック" panose="020B0600070205080204" pitchFamily="34" charset="-128"/>
+                <a:cs typeface="+mn-cs"/>
+              </a:defRPr>
+            </a:lvl3pPr>
+            <a:lvl4pPr marL="1371600" algn="l" rtl="0" fontAlgn="base">
+              <a:spcBef>
+                <a:spcPct val="0"/>
+              </a:spcBef>
+              <a:spcAft>
+                <a:spcPct val="0"/>
+              </a:spcAft>
+              <a:defRPr sz="2400" kern="1200">
+                <a:solidFill>
+                  <a:schemeClr val="tx1"/>
+                </a:solidFill>
+                <a:latin typeface="Times New Roman" panose="02020603050405020304" pitchFamily="18" charset="0"/>
+                <a:ea typeface="ＭＳ Ｐゴシック" panose="020B0600070205080204" pitchFamily="34" charset="-128"/>
+                <a:cs typeface="+mn-cs"/>
+              </a:defRPr>
+            </a:lvl4pPr>
+            <a:lvl5pPr marL="1828800" algn="l" rtl="0" fontAlgn="base">
+              <a:spcBef>
+                <a:spcPct val="0"/>
+              </a:spcBef>
+              <a:spcAft>
+                <a:spcPct val="0"/>
+              </a:spcAft>
+              <a:defRPr sz="2400" kern="1200">
+                <a:solidFill>
+                  <a:schemeClr val="tx1"/>
+                </a:solidFill>
+                <a:latin typeface="Times New Roman" panose="02020603050405020304" pitchFamily="18" charset="0"/>
+                <a:ea typeface="ＭＳ Ｐゴシック" panose="020B0600070205080204" pitchFamily="34" charset="-128"/>
+                <a:cs typeface="+mn-cs"/>
+              </a:defRPr>
+            </a:lvl5pPr>
+            <a:lvl6pPr marL="2286000" algn="l" defTabSz="914400" rtl="0" eaLnBrk="1" latinLnBrk="0" hangingPunct="1">
+              <a:defRPr sz="2400" kern="1200">
+                <a:solidFill>
+                  <a:schemeClr val="tx1"/>
+                </a:solidFill>
+                <a:latin typeface="Times New Roman" panose="02020603050405020304" pitchFamily="18" charset="0"/>
+                <a:ea typeface="ＭＳ Ｐゴシック" panose="020B0600070205080204" pitchFamily="34" charset="-128"/>
+                <a:cs typeface="+mn-cs"/>
+              </a:defRPr>
+            </a:lvl6pPr>
+            <a:lvl7pPr marL="2743200" algn="l" defTabSz="914400" rtl="0" eaLnBrk="1" latinLnBrk="0" hangingPunct="1">
+              <a:defRPr sz="2400" kern="1200">
+                <a:solidFill>
+                  <a:schemeClr val="tx1"/>
+                </a:solidFill>
+                <a:latin typeface="Times New Roman" panose="02020603050405020304" pitchFamily="18" charset="0"/>
+                <a:ea typeface="ＭＳ Ｐゴシック" panose="020B0600070205080204" pitchFamily="34" charset="-128"/>
+                <a:cs typeface="+mn-cs"/>
+              </a:defRPr>
+            </a:lvl7pPr>
+            <a:lvl8pPr marL="3200400" algn="l" defTabSz="914400" rtl="0" eaLnBrk="1" latinLnBrk="0" hangingPunct="1">
+              <a:defRPr sz="2400" kern="1200">
+                <a:solidFill>
+                  <a:schemeClr val="tx1"/>
+                </a:solidFill>
+                <a:latin typeface="Times New Roman" panose="02020603050405020304" pitchFamily="18" charset="0"/>
+                <a:ea typeface="ＭＳ Ｐゴシック" panose="020B0600070205080204" pitchFamily="34" charset="-128"/>
+                <a:cs typeface="+mn-cs"/>
+              </a:defRPr>
+            </a:lvl8pPr>
+            <a:lvl9pPr marL="3657600" algn="l" defTabSz="914400" rtl="0" eaLnBrk="1" latinLnBrk="0" hangingPunct="1">
+              <a:defRPr sz="2400" kern="1200">
+                <a:solidFill>
+                  <a:schemeClr val="tx1"/>
+                </a:solidFill>
+                <a:latin typeface="Times New Roman" panose="02020603050405020304" pitchFamily="18" charset="0"/>
+                <a:ea typeface="ＭＳ Ｐゴシック" panose="020B0600070205080204" pitchFamily="34" charset="-128"/>
+                <a:cs typeface="+mn-cs"/>
+              </a:defRPr>
+            </a:lvl9pPr>
+          </a:lstStyle>
+          <a:p>
+            <a:endParaRPr lang="en-US"/>
+          </a:p>
+        </p:txBody>
+      </p:sp>
+      <p:sp>
+        <p:nvSpPr>
+          <p:cNvPr id="8" name="Rectangle 7">
+            <a:extLst>
+              <a:ext uri="{FF2B5EF4-FFF2-40B4-BE49-F238E27FC236}">
+                <a16:creationId xmlns:a16="http://schemas.microsoft.com/office/drawing/2014/main" id="{462A2BFB-B2CD-331A-7568-12FB3A30D5BB}"/>
+              </a:ext>
+            </a:extLst>
+          </p:cNvPr>
+          <p:cNvSpPr>
+            <a:spLocks noChangeArrowheads="1"/>
+          </p:cNvSpPr>
+          <p:nvPr userDrawn="1"/>
+        </p:nvSpPr>
+        <p:spPr bwMode="auto">
+          <a:xfrm>
+            <a:off x="190500" y="531167"/>
+            <a:ext cx="5486400" cy="519113"/>
+          </a:xfrm>
+          <a:prstGeom prst="rect">
+            <a:avLst/>
+          </a:prstGeom>
+          <a:noFill/>
+          <a:ln>
+            <a:noFill/>
+          </a:ln>
+          <a:extLst>
+            <a:ext uri="{909E8E84-426E-40DD-AFC4-6F175D3DCCD1}">
+              <a14:hiddenFill xmlns:a14="http://schemas.microsoft.com/office/drawing/2010/main">
+                <a:solidFill>
+                  <a:srgbClr val="FFFFFF"/>
+                </a:solidFill>
+              </a14:hiddenFill>
+            </a:ext>
+            <a:ext uri="{91240B29-F687-4F45-9708-019B960494DF}">
+              <a14:hiddenLine xmlns:a14="http://schemas.microsoft.com/office/drawing/2010/main" w="9525">
+                <a:solidFill>
+                  <a:srgbClr val="000000"/>
+                </a:solidFill>
+                <a:miter lim="800000"/>
+                <a:headEnd/>
+                <a:tailEnd/>
+              </a14:hiddenLine>
+            </a:ext>
+          </a:extLst>
+        </p:spPr>
+        <p:txBody>
+          <a:bodyPr anchor="ctr"/>
+          <a:lstStyle>
+            <a:defPPr>
+              <a:defRPr lang="en-US"/>
+            </a:defPPr>
+            <a:lvl1pPr algn="l" rtl="0" eaLnBrk="0" fontAlgn="base" hangingPunct="0">
+              <a:spcBef>
+                <a:spcPct val="0"/>
+              </a:spcBef>
+              <a:spcAft>
+                <a:spcPct val="0"/>
+              </a:spcAft>
+              <a:defRPr sz="2400" kern="1200">
+                <a:solidFill>
+                  <a:schemeClr val="tx1"/>
+                </a:solidFill>
+                <a:latin typeface="Times New Roman" panose="02020603050405020304" pitchFamily="18" charset="0"/>
+                <a:ea typeface="ＭＳ Ｐゴシック" panose="020B0600070205080204" pitchFamily="34" charset="-128"/>
+                <a:cs typeface="+mn-cs"/>
+              </a:defRPr>
+            </a:lvl1pPr>
+            <a:lvl2pPr marL="742950" indent="-285750" algn="l" rtl="0" eaLnBrk="0" fontAlgn="base" hangingPunct="0">
+              <a:spcBef>
+                <a:spcPct val="0"/>
+              </a:spcBef>
+              <a:spcAft>
+                <a:spcPct val="0"/>
+              </a:spcAft>
+              <a:defRPr sz="2400" kern="1200">
+                <a:solidFill>
+                  <a:schemeClr val="tx1"/>
+                </a:solidFill>
+                <a:latin typeface="Times New Roman" panose="02020603050405020304" pitchFamily="18" charset="0"/>
+                <a:ea typeface="ＭＳ Ｐゴシック" panose="020B0600070205080204" pitchFamily="34" charset="-128"/>
+                <a:cs typeface="+mn-cs"/>
+              </a:defRPr>
+            </a:lvl2pPr>
+            <a:lvl3pPr marL="1143000" indent="-228600" algn="l" rtl="0" eaLnBrk="0" fontAlgn="base" hangingPunct="0">
+              <a:spcBef>
+                <a:spcPct val="0"/>
+              </a:spcBef>
+              <a:spcAft>
+                <a:spcPct val="0"/>
+              </a:spcAft>
+              <a:defRPr sz="2400" kern="1200">
+                <a:solidFill>
+                  <a:schemeClr val="tx1"/>
+                </a:solidFill>
+                <a:latin typeface="Times New Roman" panose="02020603050405020304" pitchFamily="18" charset="0"/>
+                <a:ea typeface="ＭＳ Ｐゴシック" panose="020B0600070205080204" pitchFamily="34" charset="-128"/>
+                <a:cs typeface="+mn-cs"/>
+              </a:defRPr>
+            </a:lvl3pPr>
+            <a:lvl4pPr marL="1600200" indent="-228600" algn="l" rtl="0" eaLnBrk="0" fontAlgn="base" hangingPunct="0">
+              <a:spcBef>
+                <a:spcPct val="0"/>
+              </a:spcBef>
+              <a:spcAft>
+                <a:spcPct val="0"/>
+              </a:spcAft>
+              <a:defRPr sz="2400" kern="1200">
+                <a:solidFill>
+                  <a:schemeClr val="tx1"/>
+                </a:solidFill>
+                <a:latin typeface="Times New Roman" panose="02020603050405020304" pitchFamily="18" charset="0"/>
+                <a:ea typeface="ＭＳ Ｐゴシック" panose="020B0600070205080204" pitchFamily="34" charset="-128"/>
+                <a:cs typeface="+mn-cs"/>
+              </a:defRPr>
+            </a:lvl4pPr>
+            <a:lvl5pPr marL="2057400" indent="-228600" algn="l" rtl="0" eaLnBrk="0" fontAlgn="base" hangingPunct="0">
+              <a:spcBef>
+                <a:spcPct val="0"/>
+              </a:spcBef>
+              <a:spcAft>
+                <a:spcPct val="0"/>
+              </a:spcAft>
+              <a:defRPr sz="2400" kern="1200">
+                <a:solidFill>
+                  <a:schemeClr val="tx1"/>
+                </a:solidFill>
+                <a:latin typeface="Times New Roman" panose="02020603050405020304" pitchFamily="18" charset="0"/>
+                <a:ea typeface="ＭＳ Ｐゴシック" panose="020B0600070205080204" pitchFamily="34" charset="-128"/>
+                <a:cs typeface="+mn-cs"/>
+              </a:defRPr>
+            </a:lvl5pPr>
+            <a:lvl6pPr marL="2514600" indent="-228600" algn="l" defTabSz="914400" rtl="0" eaLnBrk="0" fontAlgn="base" latinLnBrk="0" hangingPunct="0">
+              <a:spcBef>
+                <a:spcPct val="0"/>
+              </a:spcBef>
+              <a:spcAft>
+                <a:spcPct val="0"/>
+              </a:spcAft>
+              <a:defRPr sz="2400" kern="1200">
+                <a:solidFill>
+                  <a:schemeClr val="tx1"/>
+                </a:solidFill>
+                <a:latin typeface="Times New Roman" panose="02020603050405020304" pitchFamily="18" charset="0"/>
+                <a:ea typeface="ＭＳ Ｐゴシック" panose="020B0600070205080204" pitchFamily="34" charset="-128"/>
+                <a:cs typeface="+mn-cs"/>
+              </a:defRPr>
+            </a:lvl6pPr>
+            <a:lvl7pPr marL="2971800" indent="-228600" algn="l" defTabSz="914400" rtl="0" eaLnBrk="0" fontAlgn="base" latinLnBrk="0" hangingPunct="0">
+              <a:spcBef>
+                <a:spcPct val="0"/>
+              </a:spcBef>
+              <a:spcAft>
+                <a:spcPct val="0"/>
+              </a:spcAft>
+              <a:defRPr sz="2400" kern="1200">
+                <a:solidFill>
+                  <a:schemeClr val="tx1"/>
+                </a:solidFill>
+                <a:latin typeface="Times New Roman" panose="02020603050405020304" pitchFamily="18" charset="0"/>
+                <a:ea typeface="ＭＳ Ｐゴシック" panose="020B0600070205080204" pitchFamily="34" charset="-128"/>
+                <a:cs typeface="+mn-cs"/>
+              </a:defRPr>
+            </a:lvl7pPr>
+            <a:lvl8pPr marL="3429000" indent="-228600" algn="l" defTabSz="914400" rtl="0" eaLnBrk="0" fontAlgn="base" latinLnBrk="0" hangingPunct="0">
+              <a:spcBef>
+                <a:spcPct val="0"/>
+              </a:spcBef>
+              <a:spcAft>
+                <a:spcPct val="0"/>
+              </a:spcAft>
+              <a:defRPr sz="2400" kern="1200">
+                <a:solidFill>
+                  <a:schemeClr val="tx1"/>
+                </a:solidFill>
+                <a:latin typeface="Times New Roman" panose="02020603050405020304" pitchFamily="18" charset="0"/>
+                <a:ea typeface="ＭＳ Ｐゴシック" panose="020B0600070205080204" pitchFamily="34" charset="-128"/>
+                <a:cs typeface="+mn-cs"/>
+              </a:defRPr>
+            </a:lvl8pPr>
+            <a:lvl9pPr marL="3886200" indent="-228600" algn="l" defTabSz="914400" rtl="0" eaLnBrk="0" fontAlgn="base" latinLnBrk="0" hangingPunct="0">
+              <a:spcBef>
+                <a:spcPct val="0"/>
+              </a:spcBef>
+              <a:spcAft>
+                <a:spcPct val="0"/>
+              </a:spcAft>
+              <a:defRPr sz="2400" kern="1200">
+                <a:solidFill>
+                  <a:schemeClr val="tx1"/>
+                </a:solidFill>
+                <a:latin typeface="Times New Roman" panose="02020603050405020304" pitchFamily="18" charset="0"/>
+                <a:ea typeface="ＭＳ Ｐゴシック" panose="020B0600070205080204" pitchFamily="34" charset="-128"/>
+                <a:cs typeface="+mn-cs"/>
+              </a:defRPr>
+            </a:lvl9pPr>
+          </a:lstStyle>
+          <a:p>
+            <a:pPr eaLnBrk="1" hangingPunct="1"/>
+            <a:r>
+              <a:rPr lang="en-US" sz="3600" b="1" dirty="0">
+                <a:solidFill>
+                  <a:srgbClr val="003366"/>
+                </a:solidFill>
+                <a:latin typeface="Baskerville Old Face" panose="02020602080505020303" pitchFamily="18" charset="0"/>
+              </a:rPr>
+              <a:t>MATH 4750 / MSSC 5750</a:t>
+            </a:r>
+          </a:p>
+        </p:txBody>
+      </p:sp>
+      <p:sp>
+        <p:nvSpPr>
+          <p:cNvPr id="9" name="Line 8">
+            <a:extLst>
+              <a:ext uri="{FF2B5EF4-FFF2-40B4-BE49-F238E27FC236}">
+                <a16:creationId xmlns:a16="http://schemas.microsoft.com/office/drawing/2014/main" id="{8A89C7BC-43F9-F3F7-9199-76A1407E57C5}"/>
+              </a:ext>
+            </a:extLst>
+          </p:cNvPr>
+          <p:cNvSpPr>
+            <a:spLocks noChangeShapeType="1"/>
+          </p:cNvSpPr>
+          <p:nvPr userDrawn="1"/>
+        </p:nvSpPr>
+        <p:spPr bwMode="auto">
+          <a:xfrm flipV="1">
+            <a:off x="266700" y="1050279"/>
+            <a:ext cx="4953000" cy="17461"/>
+          </a:xfrm>
+          <a:prstGeom prst="line">
+            <a:avLst/>
+          </a:prstGeom>
+          <a:noFill/>
+          <a:ln w="28575">
+            <a:solidFill>
+              <a:srgbClr val="FFCC00"/>
+            </a:solidFill>
+            <a:round/>
+            <a:headEnd/>
+            <a:tailEnd/>
+          </a:ln>
+          <a:extLst>
+            <a:ext uri="{909E8E84-426E-40DD-AFC4-6F175D3DCCD1}">
+              <a14:hiddenFill xmlns:a14="http://schemas.microsoft.com/office/drawing/2010/main">
+                <a:noFill/>
+              </a14:hiddenFill>
+            </a:ext>
+          </a:extLst>
+        </p:spPr>
+        <p:txBody>
+          <a:bodyPr/>
+          <a:lstStyle>
+            <a:defPPr>
+              <a:defRPr lang="en-US"/>
+            </a:defPPr>
+            <a:lvl1pPr algn="l" rtl="0" fontAlgn="base">
+              <a:spcBef>
+                <a:spcPct val="0"/>
+              </a:spcBef>
+              <a:spcAft>
+                <a:spcPct val="0"/>
+              </a:spcAft>
+              <a:defRPr sz="2400" kern="1200">
+                <a:solidFill>
+                  <a:schemeClr val="tx1"/>
+                </a:solidFill>
+                <a:latin typeface="Times New Roman" panose="02020603050405020304" pitchFamily="18" charset="0"/>
+                <a:ea typeface="ＭＳ Ｐゴシック" panose="020B0600070205080204" pitchFamily="34" charset="-128"/>
+                <a:cs typeface="+mn-cs"/>
+              </a:defRPr>
+            </a:lvl1pPr>
+            <a:lvl2pPr marL="457200" algn="l" rtl="0" fontAlgn="base">
+              <a:spcBef>
+                <a:spcPct val="0"/>
+              </a:spcBef>
+              <a:spcAft>
+                <a:spcPct val="0"/>
+              </a:spcAft>
+              <a:defRPr sz="2400" kern="1200">
+                <a:solidFill>
+                  <a:schemeClr val="tx1"/>
+                </a:solidFill>
+                <a:latin typeface="Times New Roman" panose="02020603050405020304" pitchFamily="18" charset="0"/>
+                <a:ea typeface="ＭＳ Ｐゴシック" panose="020B0600070205080204" pitchFamily="34" charset="-128"/>
+                <a:cs typeface="+mn-cs"/>
+              </a:defRPr>
+            </a:lvl2pPr>
+            <a:lvl3pPr marL="914400" algn="l" rtl="0" fontAlgn="base">
+              <a:spcBef>
+                <a:spcPct val="0"/>
+              </a:spcBef>
+              <a:spcAft>
+                <a:spcPct val="0"/>
+              </a:spcAft>
+              <a:defRPr sz="2400" kern="1200">
+                <a:solidFill>
+                  <a:schemeClr val="tx1"/>
+                </a:solidFill>
+                <a:latin typeface="Times New Roman" panose="02020603050405020304" pitchFamily="18" charset="0"/>
+                <a:ea typeface="ＭＳ Ｐゴシック" panose="020B0600070205080204" pitchFamily="34" charset="-128"/>
+                <a:cs typeface="+mn-cs"/>
+              </a:defRPr>
+            </a:lvl3pPr>
+            <a:lvl4pPr marL="1371600" algn="l" rtl="0" fontAlgn="base">
+              <a:spcBef>
+                <a:spcPct val="0"/>
+              </a:spcBef>
+              <a:spcAft>
+                <a:spcPct val="0"/>
+              </a:spcAft>
+              <a:defRPr sz="2400" kern="1200">
+                <a:solidFill>
+                  <a:schemeClr val="tx1"/>
+                </a:solidFill>
+                <a:latin typeface="Times New Roman" panose="02020603050405020304" pitchFamily="18" charset="0"/>
+                <a:ea typeface="ＭＳ Ｐゴシック" panose="020B0600070205080204" pitchFamily="34" charset="-128"/>
+                <a:cs typeface="+mn-cs"/>
+              </a:defRPr>
+            </a:lvl4pPr>
+            <a:lvl5pPr marL="1828800" algn="l" rtl="0" fontAlgn="base">
+              <a:spcBef>
+                <a:spcPct val="0"/>
+              </a:spcBef>
+              <a:spcAft>
+                <a:spcPct val="0"/>
+              </a:spcAft>
+              <a:defRPr sz="2400" kern="1200">
+                <a:solidFill>
+                  <a:schemeClr val="tx1"/>
+                </a:solidFill>
+                <a:latin typeface="Times New Roman" panose="02020603050405020304" pitchFamily="18" charset="0"/>
+                <a:ea typeface="ＭＳ Ｐゴシック" panose="020B0600070205080204" pitchFamily="34" charset="-128"/>
+                <a:cs typeface="+mn-cs"/>
+              </a:defRPr>
+            </a:lvl5pPr>
+            <a:lvl6pPr marL="2286000" algn="l" defTabSz="914400" rtl="0" eaLnBrk="1" latinLnBrk="0" hangingPunct="1">
+              <a:defRPr sz="2400" kern="1200">
+                <a:solidFill>
+                  <a:schemeClr val="tx1"/>
+                </a:solidFill>
+                <a:latin typeface="Times New Roman" panose="02020603050405020304" pitchFamily="18" charset="0"/>
+                <a:ea typeface="ＭＳ Ｐゴシック" panose="020B0600070205080204" pitchFamily="34" charset="-128"/>
+                <a:cs typeface="+mn-cs"/>
+              </a:defRPr>
+            </a:lvl6pPr>
+            <a:lvl7pPr marL="2743200" algn="l" defTabSz="914400" rtl="0" eaLnBrk="1" latinLnBrk="0" hangingPunct="1">
+              <a:defRPr sz="2400" kern="1200">
+                <a:solidFill>
+                  <a:schemeClr val="tx1"/>
+                </a:solidFill>
+                <a:latin typeface="Times New Roman" panose="02020603050405020304" pitchFamily="18" charset="0"/>
+                <a:ea typeface="ＭＳ Ｐゴシック" panose="020B0600070205080204" pitchFamily="34" charset="-128"/>
+                <a:cs typeface="+mn-cs"/>
+              </a:defRPr>
+            </a:lvl7pPr>
+            <a:lvl8pPr marL="3200400" algn="l" defTabSz="914400" rtl="0" eaLnBrk="1" latinLnBrk="0" hangingPunct="1">
+              <a:defRPr sz="2400" kern="1200">
+                <a:solidFill>
+                  <a:schemeClr val="tx1"/>
+                </a:solidFill>
+                <a:latin typeface="Times New Roman" panose="02020603050405020304" pitchFamily="18" charset="0"/>
+                <a:ea typeface="ＭＳ Ｐゴシック" panose="020B0600070205080204" pitchFamily="34" charset="-128"/>
+                <a:cs typeface="+mn-cs"/>
+              </a:defRPr>
+            </a:lvl8pPr>
+            <a:lvl9pPr marL="3657600" algn="l" defTabSz="914400" rtl="0" eaLnBrk="1" latinLnBrk="0" hangingPunct="1">
+              <a:defRPr sz="2400" kern="1200">
+                <a:solidFill>
+                  <a:schemeClr val="tx1"/>
+                </a:solidFill>
+                <a:latin typeface="Times New Roman" panose="02020603050405020304" pitchFamily="18" charset="0"/>
+                <a:ea typeface="ＭＳ Ｐゴシック" panose="020B0600070205080204" pitchFamily="34" charset="-128"/>
+                <a:cs typeface="+mn-cs"/>
+              </a:defRPr>
+            </a:lvl9pPr>
+          </a:lstStyle>
+          <a:p>
+            <a:endParaRPr lang="en-US"/>
+          </a:p>
+        </p:txBody>
+      </p:sp>
+      <p:sp>
+        <p:nvSpPr>
+          <p:cNvPr id="10" name="Line 8">
+            <a:extLst>
+              <a:ext uri="{FF2B5EF4-FFF2-40B4-BE49-F238E27FC236}">
+                <a16:creationId xmlns:a16="http://schemas.microsoft.com/office/drawing/2014/main" id="{6D9BD916-7178-5971-8D11-315BF62450FF}"/>
+              </a:ext>
+            </a:extLst>
+          </p:cNvPr>
+          <p:cNvSpPr>
+            <a:spLocks noChangeShapeType="1"/>
+          </p:cNvSpPr>
+          <p:nvPr userDrawn="1"/>
+        </p:nvSpPr>
+        <p:spPr bwMode="auto">
+          <a:xfrm flipV="1">
+            <a:off x="266700" y="1050279"/>
+            <a:ext cx="4953000" cy="17461"/>
+          </a:xfrm>
+          <a:prstGeom prst="line">
+            <a:avLst/>
+          </a:prstGeom>
+          <a:noFill/>
+          <a:ln w="28575">
+            <a:solidFill>
+              <a:srgbClr val="FFCC00"/>
+            </a:solidFill>
+            <a:round/>
+            <a:headEnd/>
+            <a:tailEnd/>
+          </a:ln>
+          <a:extLst>
+            <a:ext uri="{909E8E84-426E-40DD-AFC4-6F175D3DCCD1}">
+              <a14:hiddenFill xmlns:a14="http://schemas.microsoft.com/office/drawing/2010/main">
+                <a:noFill/>
+              </a14:hiddenFill>
+            </a:ext>
+          </a:extLst>
+        </p:spPr>
+        <p:txBody>
+          <a:bodyPr/>
+          <a:lstStyle>
+            <a:defPPr>
+              <a:defRPr lang="en-US"/>
+            </a:defPPr>
+            <a:lvl1pPr algn="l" rtl="0" fontAlgn="base">
+              <a:spcBef>
+                <a:spcPct val="0"/>
+              </a:spcBef>
+              <a:spcAft>
+                <a:spcPct val="0"/>
+              </a:spcAft>
+              <a:defRPr sz="2400" kern="1200">
+                <a:solidFill>
+                  <a:schemeClr val="tx1"/>
+                </a:solidFill>
+                <a:latin typeface="Times New Roman" panose="02020603050405020304" pitchFamily="18" charset="0"/>
+                <a:ea typeface="ＭＳ Ｐゴシック" panose="020B0600070205080204" pitchFamily="34" charset="-128"/>
+                <a:cs typeface="+mn-cs"/>
+              </a:defRPr>
+            </a:lvl1pPr>
+            <a:lvl2pPr marL="457200" algn="l" rtl="0" fontAlgn="base">
+              <a:spcBef>
+                <a:spcPct val="0"/>
+              </a:spcBef>
+              <a:spcAft>
+                <a:spcPct val="0"/>
+              </a:spcAft>
+              <a:defRPr sz="2400" kern="1200">
+                <a:solidFill>
+                  <a:schemeClr val="tx1"/>
+                </a:solidFill>
+                <a:latin typeface="Times New Roman" panose="02020603050405020304" pitchFamily="18" charset="0"/>
+                <a:ea typeface="ＭＳ Ｐゴシック" panose="020B0600070205080204" pitchFamily="34" charset="-128"/>
+                <a:cs typeface="+mn-cs"/>
+              </a:defRPr>
+            </a:lvl2pPr>
+            <a:lvl3pPr marL="914400" algn="l" rtl="0" fontAlgn="base">
+              <a:spcBef>
+                <a:spcPct val="0"/>
+              </a:spcBef>
+              <a:spcAft>
+                <a:spcPct val="0"/>
+              </a:spcAft>
+              <a:defRPr sz="2400" kern="1200">
+                <a:solidFill>
+                  <a:schemeClr val="tx1"/>
+                </a:solidFill>
+                <a:latin typeface="Times New Roman" panose="02020603050405020304" pitchFamily="18" charset="0"/>
+                <a:ea typeface="ＭＳ Ｐゴシック" panose="020B0600070205080204" pitchFamily="34" charset="-128"/>
+                <a:cs typeface="+mn-cs"/>
+              </a:defRPr>
+            </a:lvl3pPr>
+            <a:lvl4pPr marL="1371600" algn="l" rtl="0" fontAlgn="base">
+              <a:spcBef>
+                <a:spcPct val="0"/>
+              </a:spcBef>
+              <a:spcAft>
+                <a:spcPct val="0"/>
+              </a:spcAft>
+              <a:defRPr sz="2400" kern="1200">
+                <a:solidFill>
+                  <a:schemeClr val="tx1"/>
+                </a:solidFill>
+                <a:latin typeface="Times New Roman" panose="02020603050405020304" pitchFamily="18" charset="0"/>
+                <a:ea typeface="ＭＳ Ｐゴシック" panose="020B0600070205080204" pitchFamily="34" charset="-128"/>
+                <a:cs typeface="+mn-cs"/>
+              </a:defRPr>
+            </a:lvl4pPr>
+            <a:lvl5pPr marL="1828800" algn="l" rtl="0" fontAlgn="base">
+              <a:spcBef>
+                <a:spcPct val="0"/>
+              </a:spcBef>
+              <a:spcAft>
+                <a:spcPct val="0"/>
+              </a:spcAft>
+              <a:defRPr sz="2400" kern="1200">
+                <a:solidFill>
+                  <a:schemeClr val="tx1"/>
+                </a:solidFill>
+                <a:latin typeface="Times New Roman" panose="02020603050405020304" pitchFamily="18" charset="0"/>
+                <a:ea typeface="ＭＳ Ｐゴシック" panose="020B0600070205080204" pitchFamily="34" charset="-128"/>
+                <a:cs typeface="+mn-cs"/>
+              </a:defRPr>
+            </a:lvl5pPr>
+            <a:lvl6pPr marL="2286000" algn="l" defTabSz="914400" rtl="0" eaLnBrk="1" latinLnBrk="0" hangingPunct="1">
+              <a:defRPr sz="2400" kern="1200">
+                <a:solidFill>
+                  <a:schemeClr val="tx1"/>
+                </a:solidFill>
+                <a:latin typeface="Times New Roman" panose="02020603050405020304" pitchFamily="18" charset="0"/>
+                <a:ea typeface="ＭＳ Ｐゴシック" panose="020B0600070205080204" pitchFamily="34" charset="-128"/>
+                <a:cs typeface="+mn-cs"/>
+              </a:defRPr>
+            </a:lvl6pPr>
+            <a:lvl7pPr marL="2743200" algn="l" defTabSz="914400" rtl="0" eaLnBrk="1" latinLnBrk="0" hangingPunct="1">
+              <a:defRPr sz="2400" kern="1200">
+                <a:solidFill>
+                  <a:schemeClr val="tx1"/>
+                </a:solidFill>
+                <a:latin typeface="Times New Roman" panose="02020603050405020304" pitchFamily="18" charset="0"/>
+                <a:ea typeface="ＭＳ Ｐゴシック" panose="020B0600070205080204" pitchFamily="34" charset="-128"/>
+                <a:cs typeface="+mn-cs"/>
+              </a:defRPr>
+            </a:lvl7pPr>
+            <a:lvl8pPr marL="3200400" algn="l" defTabSz="914400" rtl="0" eaLnBrk="1" latinLnBrk="0" hangingPunct="1">
+              <a:defRPr sz="2400" kern="1200">
+                <a:solidFill>
+                  <a:schemeClr val="tx1"/>
+                </a:solidFill>
+                <a:latin typeface="Times New Roman" panose="02020603050405020304" pitchFamily="18" charset="0"/>
+                <a:ea typeface="ＭＳ Ｐゴシック" panose="020B0600070205080204" pitchFamily="34" charset="-128"/>
+                <a:cs typeface="+mn-cs"/>
+              </a:defRPr>
+            </a:lvl8pPr>
+            <a:lvl9pPr marL="3657600" algn="l" defTabSz="914400" rtl="0" eaLnBrk="1" latinLnBrk="0" hangingPunct="1">
+              <a:defRPr sz="2400" kern="1200">
+                <a:solidFill>
+                  <a:schemeClr val="tx1"/>
+                </a:solidFill>
+                <a:latin typeface="Times New Roman" panose="02020603050405020304" pitchFamily="18" charset="0"/>
+                <a:ea typeface="ＭＳ Ｐゴシック" panose="020B0600070205080204" pitchFamily="34" charset="-128"/>
+                <a:cs typeface="+mn-cs"/>
+              </a:defRPr>
+            </a:lvl9pPr>
+          </a:lstStyle>
+          <a:p>
+            <a:endParaRPr lang="en-US"/>
+          </a:p>
+        </p:txBody>
+      </p:sp>
+      <p:sp>
+        <p:nvSpPr>
+          <p:cNvPr id="14" name="Line 8">
+            <a:extLst>
+              <a:ext uri="{FF2B5EF4-FFF2-40B4-BE49-F238E27FC236}">
+                <a16:creationId xmlns:a16="http://schemas.microsoft.com/office/drawing/2014/main" id="{EC5F350D-5A80-471E-D388-2AEA50AB3FFE}"/>
+              </a:ext>
+            </a:extLst>
+          </p:cNvPr>
+          <p:cNvSpPr>
+            <a:spLocks noChangeShapeType="1"/>
+          </p:cNvSpPr>
+          <p:nvPr userDrawn="1"/>
+        </p:nvSpPr>
+        <p:spPr bwMode="auto">
+          <a:xfrm flipV="1">
+            <a:off x="266700" y="1050279"/>
+            <a:ext cx="4953000" cy="17461"/>
+          </a:xfrm>
+          <a:prstGeom prst="line">
+            <a:avLst/>
+          </a:prstGeom>
+          <a:noFill/>
+          <a:ln w="28575">
+            <a:solidFill>
+              <a:srgbClr val="FFCC00"/>
+            </a:solidFill>
+            <a:round/>
+            <a:headEnd/>
+            <a:tailEnd/>
+          </a:ln>
+          <a:extLst>
+            <a:ext uri="{909E8E84-426E-40DD-AFC4-6F175D3DCCD1}">
+              <a14:hiddenFill xmlns:a14="http://schemas.microsoft.com/office/drawing/2010/main">
+                <a:noFill/>
+              </a14:hiddenFill>
+            </a:ext>
+          </a:extLst>
+        </p:spPr>
+        <p:txBody>
+          <a:bodyPr/>
+          <a:lstStyle>
+            <a:defPPr>
+              <a:defRPr lang="en-US"/>
+            </a:defPPr>
+            <a:lvl1pPr algn="l" rtl="0" fontAlgn="base">
+              <a:spcBef>
+                <a:spcPct val="0"/>
+              </a:spcBef>
+              <a:spcAft>
+                <a:spcPct val="0"/>
+              </a:spcAft>
+              <a:defRPr sz="2400" kern="1200">
+                <a:solidFill>
+                  <a:schemeClr val="tx1"/>
+                </a:solidFill>
+                <a:latin typeface="Times New Roman" panose="02020603050405020304" pitchFamily="18" charset="0"/>
+                <a:ea typeface="ＭＳ Ｐゴシック" panose="020B0600070205080204" pitchFamily="34" charset="-128"/>
+                <a:cs typeface="+mn-cs"/>
+              </a:defRPr>
+            </a:lvl1pPr>
+            <a:lvl2pPr marL="457200" algn="l" rtl="0" fontAlgn="base">
+              <a:spcBef>
+                <a:spcPct val="0"/>
+              </a:spcBef>
+              <a:spcAft>
+                <a:spcPct val="0"/>
+              </a:spcAft>
+              <a:defRPr sz="2400" kern="1200">
+                <a:solidFill>
+                  <a:schemeClr val="tx1"/>
+                </a:solidFill>
+                <a:latin typeface="Times New Roman" panose="02020603050405020304" pitchFamily="18" charset="0"/>
+                <a:ea typeface="ＭＳ Ｐゴシック" panose="020B0600070205080204" pitchFamily="34" charset="-128"/>
+                <a:cs typeface="+mn-cs"/>
+              </a:defRPr>
+            </a:lvl2pPr>
+            <a:lvl3pPr marL="914400" algn="l" rtl="0" fontAlgn="base">
+              <a:spcBef>
+                <a:spcPct val="0"/>
+              </a:spcBef>
+              <a:spcAft>
+                <a:spcPct val="0"/>
+              </a:spcAft>
+              <a:defRPr sz="2400" kern="1200">
+                <a:solidFill>
+                  <a:schemeClr val="tx1"/>
+                </a:solidFill>
+                <a:latin typeface="Times New Roman" panose="02020603050405020304" pitchFamily="18" charset="0"/>
+                <a:ea typeface="ＭＳ Ｐゴシック" panose="020B0600070205080204" pitchFamily="34" charset="-128"/>
+                <a:cs typeface="+mn-cs"/>
+              </a:defRPr>
+            </a:lvl3pPr>
+            <a:lvl4pPr marL="1371600" algn="l" rtl="0" fontAlgn="base">
+              <a:spcBef>
+                <a:spcPct val="0"/>
+              </a:spcBef>
+              <a:spcAft>
+                <a:spcPct val="0"/>
+              </a:spcAft>
+              <a:defRPr sz="2400" kern="1200">
+                <a:solidFill>
+                  <a:schemeClr val="tx1"/>
+                </a:solidFill>
+                <a:latin typeface="Times New Roman" panose="02020603050405020304" pitchFamily="18" charset="0"/>
+                <a:ea typeface="ＭＳ Ｐゴシック" panose="020B0600070205080204" pitchFamily="34" charset="-128"/>
+                <a:cs typeface="+mn-cs"/>
+              </a:defRPr>
+            </a:lvl4pPr>
+            <a:lvl5pPr marL="1828800" algn="l" rtl="0" fontAlgn="base">
+              <a:spcBef>
+                <a:spcPct val="0"/>
+              </a:spcBef>
+              <a:spcAft>
+                <a:spcPct val="0"/>
+              </a:spcAft>
+              <a:defRPr sz="2400" kern="1200">
+                <a:solidFill>
+                  <a:schemeClr val="tx1"/>
+                </a:solidFill>
+                <a:latin typeface="Times New Roman" panose="02020603050405020304" pitchFamily="18" charset="0"/>
+                <a:ea typeface="ＭＳ Ｐゴシック" panose="020B0600070205080204" pitchFamily="34" charset="-128"/>
+                <a:cs typeface="+mn-cs"/>
+              </a:defRPr>
+            </a:lvl5pPr>
+            <a:lvl6pPr marL="2286000" algn="l" defTabSz="914400" rtl="0" eaLnBrk="1" latinLnBrk="0" hangingPunct="1">
+              <a:defRPr sz="2400" kern="1200">
+                <a:solidFill>
+                  <a:schemeClr val="tx1"/>
+                </a:solidFill>
+                <a:latin typeface="Times New Roman" panose="02020603050405020304" pitchFamily="18" charset="0"/>
+                <a:ea typeface="ＭＳ Ｐゴシック" panose="020B0600070205080204" pitchFamily="34" charset="-128"/>
+                <a:cs typeface="+mn-cs"/>
+              </a:defRPr>
+            </a:lvl6pPr>
+            <a:lvl7pPr marL="2743200" algn="l" defTabSz="914400" rtl="0" eaLnBrk="1" latinLnBrk="0" hangingPunct="1">
+              <a:defRPr sz="2400" kern="1200">
+                <a:solidFill>
+                  <a:schemeClr val="tx1"/>
+                </a:solidFill>
+                <a:latin typeface="Times New Roman" panose="02020603050405020304" pitchFamily="18" charset="0"/>
+                <a:ea typeface="ＭＳ Ｐゴシック" panose="020B0600070205080204" pitchFamily="34" charset="-128"/>
+                <a:cs typeface="+mn-cs"/>
+              </a:defRPr>
+            </a:lvl7pPr>
+            <a:lvl8pPr marL="3200400" algn="l" defTabSz="914400" rtl="0" eaLnBrk="1" latinLnBrk="0" hangingPunct="1">
+              <a:defRPr sz="2400" kern="1200">
+                <a:solidFill>
+                  <a:schemeClr val="tx1"/>
+                </a:solidFill>
+                <a:latin typeface="Times New Roman" panose="02020603050405020304" pitchFamily="18" charset="0"/>
+                <a:ea typeface="ＭＳ Ｐゴシック" panose="020B0600070205080204" pitchFamily="34" charset="-128"/>
+                <a:cs typeface="+mn-cs"/>
+              </a:defRPr>
+            </a:lvl8pPr>
+            <a:lvl9pPr marL="3657600" algn="l" defTabSz="914400" rtl="0" eaLnBrk="1" latinLnBrk="0" hangingPunct="1">
+              <a:defRPr sz="2400" kern="1200">
+                <a:solidFill>
+                  <a:schemeClr val="tx1"/>
+                </a:solidFill>
+                <a:latin typeface="Times New Roman" panose="02020603050405020304" pitchFamily="18" charset="0"/>
+                <a:ea typeface="ＭＳ Ｐゴシック" panose="020B0600070205080204" pitchFamily="34" charset="-128"/>
+                <a:cs typeface="+mn-cs"/>
+              </a:defRPr>
+            </a:lvl9pPr>
+          </a:lstStyle>
+          <a:p>
+            <a:endParaRPr lang="en-US"/>
+          </a:p>
+        </p:txBody>
+      </p:sp>
+      <p:sp>
+        <p:nvSpPr>
+          <p:cNvPr id="16" name="Line 8">
+            <a:extLst>
+              <a:ext uri="{FF2B5EF4-FFF2-40B4-BE49-F238E27FC236}">
+                <a16:creationId xmlns:a16="http://schemas.microsoft.com/office/drawing/2014/main" id="{39BDE584-B517-92CF-AC1D-BA17BACBBA68}"/>
+              </a:ext>
+            </a:extLst>
+          </p:cNvPr>
+          <p:cNvSpPr>
+            <a:spLocks noChangeShapeType="1"/>
+          </p:cNvSpPr>
+          <p:nvPr userDrawn="1"/>
+        </p:nvSpPr>
+        <p:spPr bwMode="auto">
+          <a:xfrm flipV="1">
+            <a:off x="266700" y="1050279"/>
+            <a:ext cx="4953000" cy="17461"/>
+          </a:xfrm>
+          <a:prstGeom prst="line">
+            <a:avLst/>
+          </a:prstGeom>
+          <a:noFill/>
+          <a:ln w="28575">
+            <a:solidFill>
+              <a:srgbClr val="FFCC00"/>
+            </a:solidFill>
+            <a:round/>
+            <a:headEnd/>
+            <a:tailEnd/>
+          </a:ln>
+          <a:extLst>
+            <a:ext uri="{909E8E84-426E-40DD-AFC4-6F175D3DCCD1}">
+              <a14:hiddenFill xmlns:a14="http://schemas.microsoft.com/office/drawing/2010/main">
+                <a:noFill/>
+              </a14:hiddenFill>
+            </a:ext>
+          </a:extLst>
+        </p:spPr>
+        <p:txBody>
+          <a:bodyPr/>
+          <a:lstStyle>
+            <a:defPPr>
+              <a:defRPr lang="en-US"/>
+            </a:defPPr>
+            <a:lvl1pPr algn="l" rtl="0" fontAlgn="base">
+              <a:spcBef>
+                <a:spcPct val="0"/>
+              </a:spcBef>
+              <a:spcAft>
+                <a:spcPct val="0"/>
+              </a:spcAft>
+              <a:defRPr sz="2400" kern="1200">
+                <a:solidFill>
+                  <a:schemeClr val="tx1"/>
+                </a:solidFill>
+                <a:latin typeface="Times New Roman" panose="02020603050405020304" pitchFamily="18" charset="0"/>
+                <a:ea typeface="ＭＳ Ｐゴシック" panose="020B0600070205080204" pitchFamily="34" charset="-128"/>
+                <a:cs typeface="+mn-cs"/>
+              </a:defRPr>
+            </a:lvl1pPr>
+            <a:lvl2pPr marL="457200" algn="l" rtl="0" fontAlgn="base">
+              <a:spcBef>
+                <a:spcPct val="0"/>
+              </a:spcBef>
+              <a:spcAft>
+                <a:spcPct val="0"/>
+              </a:spcAft>
+              <a:defRPr sz="2400" kern="1200">
+                <a:solidFill>
+                  <a:schemeClr val="tx1"/>
+                </a:solidFill>
+                <a:latin typeface="Times New Roman" panose="02020603050405020304" pitchFamily="18" charset="0"/>
+                <a:ea typeface="ＭＳ Ｐゴシック" panose="020B0600070205080204" pitchFamily="34" charset="-128"/>
+                <a:cs typeface="+mn-cs"/>
+              </a:defRPr>
+            </a:lvl2pPr>
+            <a:lvl3pPr marL="914400" algn="l" rtl="0" fontAlgn="base">
+              <a:spcBef>
+                <a:spcPct val="0"/>
+              </a:spcBef>
+              <a:spcAft>
+                <a:spcPct val="0"/>
+              </a:spcAft>
+              <a:defRPr sz="2400" kern="1200">
+                <a:solidFill>
+                  <a:schemeClr val="tx1"/>
+                </a:solidFill>
+                <a:latin typeface="Times New Roman" panose="02020603050405020304" pitchFamily="18" charset="0"/>
+                <a:ea typeface="ＭＳ Ｐゴシック" panose="020B0600070205080204" pitchFamily="34" charset="-128"/>
+                <a:cs typeface="+mn-cs"/>
+              </a:defRPr>
+            </a:lvl3pPr>
+            <a:lvl4pPr marL="1371600" algn="l" rtl="0" fontAlgn="base">
+              <a:spcBef>
+                <a:spcPct val="0"/>
+              </a:spcBef>
+              <a:spcAft>
+                <a:spcPct val="0"/>
+              </a:spcAft>
+              <a:defRPr sz="2400" kern="1200">
+                <a:solidFill>
+                  <a:schemeClr val="tx1"/>
+                </a:solidFill>
+                <a:latin typeface="Times New Roman" panose="02020603050405020304" pitchFamily="18" charset="0"/>
+                <a:ea typeface="ＭＳ Ｐゴシック" panose="020B0600070205080204" pitchFamily="34" charset="-128"/>
+                <a:cs typeface="+mn-cs"/>
+              </a:defRPr>
+            </a:lvl4pPr>
+            <a:lvl5pPr marL="1828800" algn="l" rtl="0" fontAlgn="base">
+              <a:spcBef>
+                <a:spcPct val="0"/>
+              </a:spcBef>
+              <a:spcAft>
+                <a:spcPct val="0"/>
+              </a:spcAft>
+              <a:defRPr sz="2400" kern="1200">
+                <a:solidFill>
+                  <a:schemeClr val="tx1"/>
+                </a:solidFill>
+                <a:latin typeface="Times New Roman" panose="02020603050405020304" pitchFamily="18" charset="0"/>
+                <a:ea typeface="ＭＳ Ｐゴシック" panose="020B0600070205080204" pitchFamily="34" charset="-128"/>
+                <a:cs typeface="+mn-cs"/>
+              </a:defRPr>
+            </a:lvl5pPr>
+            <a:lvl6pPr marL="2286000" algn="l" defTabSz="914400" rtl="0" eaLnBrk="1" latinLnBrk="0" hangingPunct="1">
+              <a:defRPr sz="2400" kern="1200">
+                <a:solidFill>
+                  <a:schemeClr val="tx1"/>
+                </a:solidFill>
+                <a:latin typeface="Times New Roman" panose="02020603050405020304" pitchFamily="18" charset="0"/>
+                <a:ea typeface="ＭＳ Ｐゴシック" panose="020B0600070205080204" pitchFamily="34" charset="-128"/>
+                <a:cs typeface="+mn-cs"/>
+              </a:defRPr>
+            </a:lvl6pPr>
+            <a:lvl7pPr marL="2743200" algn="l" defTabSz="914400" rtl="0" eaLnBrk="1" latinLnBrk="0" hangingPunct="1">
+              <a:defRPr sz="2400" kern="1200">
+                <a:solidFill>
+                  <a:schemeClr val="tx1"/>
+                </a:solidFill>
+                <a:latin typeface="Times New Roman" panose="02020603050405020304" pitchFamily="18" charset="0"/>
+                <a:ea typeface="ＭＳ Ｐゴシック" panose="020B0600070205080204" pitchFamily="34" charset="-128"/>
+                <a:cs typeface="+mn-cs"/>
+              </a:defRPr>
+            </a:lvl7pPr>
+            <a:lvl8pPr marL="3200400" algn="l" defTabSz="914400" rtl="0" eaLnBrk="1" latinLnBrk="0" hangingPunct="1">
+              <a:defRPr sz="2400" kern="1200">
+                <a:solidFill>
+                  <a:schemeClr val="tx1"/>
+                </a:solidFill>
+                <a:latin typeface="Times New Roman" panose="02020603050405020304" pitchFamily="18" charset="0"/>
+                <a:ea typeface="ＭＳ Ｐゴシック" panose="020B0600070205080204" pitchFamily="34" charset="-128"/>
+                <a:cs typeface="+mn-cs"/>
+              </a:defRPr>
+            </a:lvl8pPr>
+            <a:lvl9pPr marL="3657600" algn="l" defTabSz="914400" rtl="0" eaLnBrk="1" latinLnBrk="0" hangingPunct="1">
+              <a:defRPr sz="2400" kern="1200">
+                <a:solidFill>
+                  <a:schemeClr val="tx1"/>
+                </a:solidFill>
+                <a:latin typeface="Times New Roman" panose="02020603050405020304" pitchFamily="18" charset="0"/>
+                <a:ea typeface="ＭＳ Ｐゴシック" panose="020B0600070205080204" pitchFamily="34" charset="-128"/>
+                <a:cs typeface="+mn-cs"/>
+              </a:defRPr>
+            </a:lvl9pPr>
+          </a:lstStyle>
+          <a:p>
+            <a:endParaRPr lang="en-US"/>
+          </a:p>
+        </p:txBody>
+      </p:sp>
+      <p:sp>
+        <p:nvSpPr>
+          <p:cNvPr id="17" name="Line 8">
+            <a:extLst>
+              <a:ext uri="{FF2B5EF4-FFF2-40B4-BE49-F238E27FC236}">
+                <a16:creationId xmlns:a16="http://schemas.microsoft.com/office/drawing/2014/main" id="{316D4976-1185-05BB-556F-4E6D06365C4A}"/>
+              </a:ext>
+            </a:extLst>
+          </p:cNvPr>
+          <p:cNvSpPr>
+            <a:spLocks noChangeShapeType="1"/>
+          </p:cNvSpPr>
+          <p:nvPr userDrawn="1"/>
+        </p:nvSpPr>
+        <p:spPr bwMode="auto">
+          <a:xfrm flipV="1">
+            <a:off x="266700" y="1050279"/>
+            <a:ext cx="4953000" cy="17461"/>
+          </a:xfrm>
+          <a:prstGeom prst="line">
+            <a:avLst/>
+          </a:prstGeom>
+          <a:noFill/>
+          <a:ln w="28575">
+            <a:solidFill>
+              <a:srgbClr val="FFCC00"/>
+            </a:solidFill>
+            <a:round/>
+            <a:headEnd/>
+            <a:tailEnd/>
+          </a:ln>
+          <a:extLst>
+            <a:ext uri="{909E8E84-426E-40DD-AFC4-6F175D3DCCD1}">
+              <a14:hiddenFill xmlns:a14="http://schemas.microsoft.com/office/drawing/2010/main">
+                <a:noFill/>
+              </a14:hiddenFill>
+            </a:ext>
+          </a:extLst>
+        </p:spPr>
+        <p:txBody>
+          <a:bodyPr/>
+          <a:lstStyle>
+            <a:defPPr>
+              <a:defRPr lang="en-US"/>
+            </a:defPPr>
+            <a:lvl1pPr algn="l" rtl="0" fontAlgn="base">
+              <a:spcBef>
+                <a:spcPct val="0"/>
+              </a:spcBef>
+              <a:spcAft>
+                <a:spcPct val="0"/>
+              </a:spcAft>
+              <a:defRPr sz="2400" kern="1200">
+                <a:solidFill>
+                  <a:schemeClr val="tx1"/>
+                </a:solidFill>
+                <a:latin typeface="Times New Roman" panose="02020603050405020304" pitchFamily="18" charset="0"/>
+                <a:ea typeface="ＭＳ Ｐゴシック" panose="020B0600070205080204" pitchFamily="34" charset="-128"/>
+                <a:cs typeface="+mn-cs"/>
+              </a:defRPr>
+            </a:lvl1pPr>
+            <a:lvl2pPr marL="457200" algn="l" rtl="0" fontAlgn="base">
+              <a:spcBef>
+                <a:spcPct val="0"/>
+              </a:spcBef>
+              <a:spcAft>
+                <a:spcPct val="0"/>
+              </a:spcAft>
+              <a:defRPr sz="2400" kern="1200">
+                <a:solidFill>
+                  <a:schemeClr val="tx1"/>
+                </a:solidFill>
+                <a:latin typeface="Times New Roman" panose="02020603050405020304" pitchFamily="18" charset="0"/>
+                <a:ea typeface="ＭＳ Ｐゴシック" panose="020B0600070205080204" pitchFamily="34" charset="-128"/>
+                <a:cs typeface="+mn-cs"/>
+              </a:defRPr>
+            </a:lvl2pPr>
+            <a:lvl3pPr marL="914400" algn="l" rtl="0" fontAlgn="base">
+              <a:spcBef>
+                <a:spcPct val="0"/>
+              </a:spcBef>
+              <a:spcAft>
+                <a:spcPct val="0"/>
+              </a:spcAft>
+              <a:defRPr sz="2400" kern="1200">
+                <a:solidFill>
+                  <a:schemeClr val="tx1"/>
+                </a:solidFill>
+                <a:latin typeface="Times New Roman" panose="02020603050405020304" pitchFamily="18" charset="0"/>
+                <a:ea typeface="ＭＳ Ｐゴシック" panose="020B0600070205080204" pitchFamily="34" charset="-128"/>
+                <a:cs typeface="+mn-cs"/>
+              </a:defRPr>
+            </a:lvl3pPr>
+            <a:lvl4pPr marL="1371600" algn="l" rtl="0" fontAlgn="base">
+              <a:spcBef>
+                <a:spcPct val="0"/>
+              </a:spcBef>
+              <a:spcAft>
+                <a:spcPct val="0"/>
+              </a:spcAft>
+              <a:defRPr sz="2400" kern="1200">
+                <a:solidFill>
+                  <a:schemeClr val="tx1"/>
+                </a:solidFill>
+                <a:latin typeface="Times New Roman" panose="02020603050405020304" pitchFamily="18" charset="0"/>
+                <a:ea typeface="ＭＳ Ｐゴシック" panose="020B0600070205080204" pitchFamily="34" charset="-128"/>
+                <a:cs typeface="+mn-cs"/>
+              </a:defRPr>
+            </a:lvl4pPr>
+            <a:lvl5pPr marL="1828800" algn="l" rtl="0" fontAlgn="base">
+              <a:spcBef>
+                <a:spcPct val="0"/>
+              </a:spcBef>
+              <a:spcAft>
+                <a:spcPct val="0"/>
+              </a:spcAft>
+              <a:defRPr sz="2400" kern="1200">
+                <a:solidFill>
+                  <a:schemeClr val="tx1"/>
+                </a:solidFill>
+                <a:latin typeface="Times New Roman" panose="02020603050405020304" pitchFamily="18" charset="0"/>
+                <a:ea typeface="ＭＳ Ｐゴシック" panose="020B0600070205080204" pitchFamily="34" charset="-128"/>
+                <a:cs typeface="+mn-cs"/>
+              </a:defRPr>
+            </a:lvl5pPr>
+            <a:lvl6pPr marL="2286000" algn="l" defTabSz="914400" rtl="0" eaLnBrk="1" latinLnBrk="0" hangingPunct="1">
+              <a:defRPr sz="2400" kern="1200">
+                <a:solidFill>
+                  <a:schemeClr val="tx1"/>
+                </a:solidFill>
+                <a:latin typeface="Times New Roman" panose="02020603050405020304" pitchFamily="18" charset="0"/>
+                <a:ea typeface="ＭＳ Ｐゴシック" panose="020B0600070205080204" pitchFamily="34" charset="-128"/>
+                <a:cs typeface="+mn-cs"/>
+              </a:defRPr>
+            </a:lvl6pPr>
+            <a:lvl7pPr marL="2743200" algn="l" defTabSz="914400" rtl="0" eaLnBrk="1" latinLnBrk="0" hangingPunct="1">
+              <a:defRPr sz="2400" kern="1200">
+                <a:solidFill>
+                  <a:schemeClr val="tx1"/>
+                </a:solidFill>
+                <a:latin typeface="Times New Roman" panose="02020603050405020304" pitchFamily="18" charset="0"/>
+                <a:ea typeface="ＭＳ Ｐゴシック" panose="020B0600070205080204" pitchFamily="34" charset="-128"/>
+                <a:cs typeface="+mn-cs"/>
+              </a:defRPr>
+            </a:lvl7pPr>
+            <a:lvl8pPr marL="3200400" algn="l" defTabSz="914400" rtl="0" eaLnBrk="1" latinLnBrk="0" hangingPunct="1">
+              <a:defRPr sz="2400" kern="1200">
+                <a:solidFill>
+                  <a:schemeClr val="tx1"/>
+                </a:solidFill>
+                <a:latin typeface="Times New Roman" panose="02020603050405020304" pitchFamily="18" charset="0"/>
+                <a:ea typeface="ＭＳ Ｐゴシック" panose="020B0600070205080204" pitchFamily="34" charset="-128"/>
+                <a:cs typeface="+mn-cs"/>
+              </a:defRPr>
+            </a:lvl8pPr>
+            <a:lvl9pPr marL="3657600" algn="l" defTabSz="914400" rtl="0" eaLnBrk="1" latinLnBrk="0" hangingPunct="1">
+              <a:defRPr sz="2400" kern="1200">
+                <a:solidFill>
+                  <a:schemeClr val="tx1"/>
+                </a:solidFill>
+                <a:latin typeface="Times New Roman" panose="02020603050405020304" pitchFamily="18" charset="0"/>
+                <a:ea typeface="ＭＳ Ｐゴシック" panose="020B0600070205080204" pitchFamily="34" charset="-128"/>
+                <a:cs typeface="+mn-cs"/>
+              </a:defRPr>
+            </a:lvl9pPr>
+          </a:lstStyle>
+          <a:p>
+            <a:endParaRPr lang="en-US"/>
+          </a:p>
+        </p:txBody>
+      </p:sp>
+      <p:sp>
+        <p:nvSpPr>
+          <p:cNvPr id="19" name="Line 8">
+            <a:extLst>
+              <a:ext uri="{FF2B5EF4-FFF2-40B4-BE49-F238E27FC236}">
+                <a16:creationId xmlns:a16="http://schemas.microsoft.com/office/drawing/2014/main" id="{22033ED9-F1CB-4FED-3A0A-3318ABEA97F4}"/>
+              </a:ext>
+            </a:extLst>
+          </p:cNvPr>
+          <p:cNvSpPr>
+            <a:spLocks noChangeShapeType="1"/>
+          </p:cNvSpPr>
+          <p:nvPr userDrawn="1"/>
+        </p:nvSpPr>
+        <p:spPr bwMode="auto">
+          <a:xfrm flipV="1">
+            <a:off x="266700" y="1050279"/>
+            <a:ext cx="4953000" cy="17461"/>
+          </a:xfrm>
+          <a:prstGeom prst="line">
+            <a:avLst/>
+          </a:prstGeom>
+          <a:noFill/>
+          <a:ln w="28575">
+            <a:solidFill>
+              <a:srgbClr val="FFCC00"/>
+            </a:solidFill>
+            <a:round/>
+            <a:headEnd/>
+            <a:tailEnd/>
+          </a:ln>
+          <a:extLst>
+            <a:ext uri="{909E8E84-426E-40DD-AFC4-6F175D3DCCD1}">
+              <a14:hiddenFill xmlns:a14="http://schemas.microsoft.com/office/drawing/2010/main">
+                <a:noFill/>
+              </a14:hiddenFill>
+            </a:ext>
+          </a:extLst>
+        </p:spPr>
+        <p:txBody>
+          <a:bodyPr/>
+          <a:lstStyle>
+            <a:defPPr>
+              <a:defRPr lang="en-US"/>
+            </a:defPPr>
+            <a:lvl1pPr algn="l" rtl="0" fontAlgn="base">
+              <a:spcBef>
+                <a:spcPct val="0"/>
+              </a:spcBef>
+              <a:spcAft>
+                <a:spcPct val="0"/>
+              </a:spcAft>
+              <a:defRPr sz="2400" kern="1200">
+                <a:solidFill>
+                  <a:schemeClr val="tx1"/>
+                </a:solidFill>
+                <a:latin typeface="Times New Roman" panose="02020603050405020304" pitchFamily="18" charset="0"/>
+                <a:ea typeface="ＭＳ Ｐゴシック" panose="020B0600070205080204" pitchFamily="34" charset="-128"/>
+                <a:cs typeface="+mn-cs"/>
+              </a:defRPr>
+            </a:lvl1pPr>
+            <a:lvl2pPr marL="457200" algn="l" rtl="0" fontAlgn="base">
+              <a:spcBef>
+                <a:spcPct val="0"/>
+              </a:spcBef>
+              <a:spcAft>
+                <a:spcPct val="0"/>
+              </a:spcAft>
+              <a:defRPr sz="2400" kern="1200">
+                <a:solidFill>
+                  <a:schemeClr val="tx1"/>
+                </a:solidFill>
+                <a:latin typeface="Times New Roman" panose="02020603050405020304" pitchFamily="18" charset="0"/>
+                <a:ea typeface="ＭＳ Ｐゴシック" panose="020B0600070205080204" pitchFamily="34" charset="-128"/>
+                <a:cs typeface="+mn-cs"/>
+              </a:defRPr>
+            </a:lvl2pPr>
+            <a:lvl3pPr marL="914400" algn="l" rtl="0" fontAlgn="base">
+              <a:spcBef>
+                <a:spcPct val="0"/>
+              </a:spcBef>
+              <a:spcAft>
+                <a:spcPct val="0"/>
+              </a:spcAft>
+              <a:defRPr sz="2400" kern="1200">
+                <a:solidFill>
+                  <a:schemeClr val="tx1"/>
+                </a:solidFill>
+                <a:latin typeface="Times New Roman" panose="02020603050405020304" pitchFamily="18" charset="0"/>
+                <a:ea typeface="ＭＳ Ｐゴシック" panose="020B0600070205080204" pitchFamily="34" charset="-128"/>
+                <a:cs typeface="+mn-cs"/>
+              </a:defRPr>
+            </a:lvl3pPr>
+            <a:lvl4pPr marL="1371600" algn="l" rtl="0" fontAlgn="base">
+              <a:spcBef>
+                <a:spcPct val="0"/>
+              </a:spcBef>
+              <a:spcAft>
+                <a:spcPct val="0"/>
+              </a:spcAft>
+              <a:defRPr sz="2400" kern="1200">
+                <a:solidFill>
+                  <a:schemeClr val="tx1"/>
+                </a:solidFill>
+                <a:latin typeface="Times New Roman" panose="02020603050405020304" pitchFamily="18" charset="0"/>
+                <a:ea typeface="ＭＳ Ｐゴシック" panose="020B0600070205080204" pitchFamily="34" charset="-128"/>
+                <a:cs typeface="+mn-cs"/>
+              </a:defRPr>
+            </a:lvl4pPr>
+            <a:lvl5pPr marL="1828800" algn="l" rtl="0" fontAlgn="base">
+              <a:spcBef>
+                <a:spcPct val="0"/>
+              </a:spcBef>
+              <a:spcAft>
+                <a:spcPct val="0"/>
+              </a:spcAft>
+              <a:defRPr sz="2400" kern="1200">
+                <a:solidFill>
+                  <a:schemeClr val="tx1"/>
+                </a:solidFill>
+                <a:latin typeface="Times New Roman" panose="02020603050405020304" pitchFamily="18" charset="0"/>
+                <a:ea typeface="ＭＳ Ｐゴシック" panose="020B0600070205080204" pitchFamily="34" charset="-128"/>
+                <a:cs typeface="+mn-cs"/>
+              </a:defRPr>
+            </a:lvl5pPr>
+            <a:lvl6pPr marL="2286000" algn="l" defTabSz="914400" rtl="0" eaLnBrk="1" latinLnBrk="0" hangingPunct="1">
+              <a:defRPr sz="2400" kern="1200">
+                <a:solidFill>
+                  <a:schemeClr val="tx1"/>
+                </a:solidFill>
+                <a:latin typeface="Times New Roman" panose="02020603050405020304" pitchFamily="18" charset="0"/>
+                <a:ea typeface="ＭＳ Ｐゴシック" panose="020B0600070205080204" pitchFamily="34" charset="-128"/>
+                <a:cs typeface="+mn-cs"/>
+              </a:defRPr>
+            </a:lvl6pPr>
+            <a:lvl7pPr marL="2743200" algn="l" defTabSz="914400" rtl="0" eaLnBrk="1" latinLnBrk="0" hangingPunct="1">
+              <a:defRPr sz="2400" kern="1200">
+                <a:solidFill>
+                  <a:schemeClr val="tx1"/>
+                </a:solidFill>
+                <a:latin typeface="Times New Roman" panose="02020603050405020304" pitchFamily="18" charset="0"/>
+                <a:ea typeface="ＭＳ Ｐゴシック" panose="020B0600070205080204" pitchFamily="34" charset="-128"/>
+                <a:cs typeface="+mn-cs"/>
+              </a:defRPr>
+            </a:lvl7pPr>
+            <a:lvl8pPr marL="3200400" algn="l" defTabSz="914400" rtl="0" eaLnBrk="1" latinLnBrk="0" hangingPunct="1">
+              <a:defRPr sz="2400" kern="1200">
+                <a:solidFill>
+                  <a:schemeClr val="tx1"/>
+                </a:solidFill>
+                <a:latin typeface="Times New Roman" panose="02020603050405020304" pitchFamily="18" charset="0"/>
+                <a:ea typeface="ＭＳ Ｐゴシック" panose="020B0600070205080204" pitchFamily="34" charset="-128"/>
+                <a:cs typeface="+mn-cs"/>
+              </a:defRPr>
+            </a:lvl8pPr>
+            <a:lvl9pPr marL="3657600" algn="l" defTabSz="914400" rtl="0" eaLnBrk="1" latinLnBrk="0" hangingPunct="1">
+              <a:defRPr sz="2400" kern="1200">
+                <a:solidFill>
+                  <a:schemeClr val="tx1"/>
+                </a:solidFill>
+                <a:latin typeface="Times New Roman" panose="02020603050405020304" pitchFamily="18" charset="0"/>
+                <a:ea typeface="ＭＳ Ｐゴシック" panose="020B0600070205080204" pitchFamily="34" charset="-128"/>
+                <a:cs typeface="+mn-cs"/>
+              </a:defRPr>
+            </a:lvl9pPr>
+          </a:lstStyle>
+          <a:p>
+            <a:endParaRPr lang="en-US"/>
           </a:p>
         </p:txBody>
       </p:sp>
@@ -3968,7 +5696,7 @@
         </p:nvSpPr>
         <p:spPr>
           <a:xfrm>
-            <a:off x="762000" y="2667000"/>
+            <a:off x="381000" y="2667000"/>
             <a:ext cx="3447034" cy="1354217"/>
           </a:xfrm>
           <a:prstGeom prst="rect">
@@ -6267,26 +7995,6 @@
 </file>
 
 <file path=customXml/item1.xml><?xml version="1.0" encoding="utf-8"?>
-<p:properties xmlns:p="http://schemas.microsoft.com/office/2006/metadata/properties" xmlns:xsi="http://www.w3.org/2001/XMLSchema-instance" xmlns:pc="http://schemas.microsoft.com/office/infopath/2007/PartnerControls">
-  <documentManagement>
-    <lcf76f155ced4ddcb4097134ff3c332f xmlns="d2476bc8-723b-4bb0-8649-dcc3acbfb9a0">
-      <Terms xmlns="http://schemas.microsoft.com/office/infopath/2007/PartnerControls"/>
-    </lcf76f155ced4ddcb4097134ff3c332f>
-    <TaxCatchAll xmlns="7e21dbec-7d1b-44d0-bf72-7919f2ae0a3e" xsi:nil="true"/>
-  </documentManagement>
-</p:properties>
-</file>
-
-<file path=customXml/item2.xml><?xml version="1.0" encoding="utf-8"?>
-<?mso-contentType ?>
-<FormTemplates xmlns="http://schemas.microsoft.com/sharepoint/v3/contenttype/forms">
-  <Display>DocumentLibraryForm</Display>
-  <Edit>DocumentLibraryForm</Edit>
-  <New>DocumentLibraryForm</New>
-</FormTemplates>
-</file>
-
-<file path=customXml/item3.xml><?xml version="1.0" encoding="utf-8"?>
 <ct:contentTypeSchema xmlns:ct="http://schemas.microsoft.com/office/2006/metadata/contentType" xmlns:ma="http://schemas.microsoft.com/office/2006/metadata/properties/metaAttributes" ct:_="" ma:_="" ma:contentTypeName="Document" ma:contentTypeID="0x0101004D47B034F7CDC94EB69E3163CB0DDA35" ma:contentTypeVersion="12" ma:contentTypeDescription="Create a new document." ma:contentTypeScope="" ma:versionID="152a4c6a75c8110feee133724f8c99ab">
   <xsd:schema xmlns:xsd="http://www.w3.org/2001/XMLSchema" xmlns:xs="http://www.w3.org/2001/XMLSchema" xmlns:p="http://schemas.microsoft.com/office/2006/metadata/properties" xmlns:ns2="d2476bc8-723b-4bb0-8649-dcc3acbfb9a0" xmlns:ns3="7e21dbec-7d1b-44d0-bf72-7919f2ae0a3e" targetNamespace="http://schemas.microsoft.com/office/2006/metadata/properties" ma:root="true" ma:fieldsID="0d48857d5b628e97ccf5fc883f7e5aa5" ns2:_="" ns3:_="">
     <xsd:import namespace="d2476bc8-723b-4bb0-8649-dcc3acbfb9a0"/>
@@ -6503,26 +8211,27 @@
 </ct:contentTypeSchema>
 </file>
 
-<file path=customXml/itemProps1.xml><?xml version="1.0" encoding="utf-8"?>
-<ds:datastoreItem xmlns:ds="http://schemas.openxmlformats.org/officeDocument/2006/customXml" ds:itemID="{8BF8A91E-F2DF-40D8-B27B-7C6477758FA3}">
-  <ds:schemaRefs>
-    <ds:schemaRef ds:uri="http://schemas.microsoft.com/office/2006/metadata/properties"/>
-    <ds:schemaRef ds:uri="http://schemas.microsoft.com/office/infopath/2007/PartnerControls"/>
-    <ds:schemaRef ds:uri="d2476bc8-723b-4bb0-8649-dcc3acbfb9a0"/>
-    <ds:schemaRef ds:uri="7e21dbec-7d1b-44d0-bf72-7919f2ae0a3e"/>
-  </ds:schemaRefs>
-</ds:datastoreItem>
+<file path=customXml/item2.xml><?xml version="1.0" encoding="utf-8"?>
+<?mso-contentType ?>
+<FormTemplates xmlns="http://schemas.microsoft.com/sharepoint/v3/contenttype/forms">
+  <Display>DocumentLibraryForm</Display>
+  <Edit>DocumentLibraryForm</Edit>
+  <New>DocumentLibraryForm</New>
+</FormTemplates>
 </file>
 
-<file path=customXml/itemProps2.xml><?xml version="1.0" encoding="utf-8"?>
-<ds:datastoreItem xmlns:ds="http://schemas.openxmlformats.org/officeDocument/2006/customXml" ds:itemID="{4F41BFD5-7ED0-403C-9153-7160B9E6027A}">
-  <ds:schemaRefs>
-    <ds:schemaRef ds:uri="http://schemas.microsoft.com/sharepoint/v3/contenttype/forms"/>
-  </ds:schemaRefs>
-</ds:datastoreItem>
+<file path=customXml/item3.xml><?xml version="1.0" encoding="utf-8"?>
+<p:properties xmlns:p="http://schemas.microsoft.com/office/2006/metadata/properties" xmlns:xsi="http://www.w3.org/2001/XMLSchema-instance" xmlns:pc="http://schemas.microsoft.com/office/infopath/2007/PartnerControls">
+  <documentManagement>
+    <lcf76f155ced4ddcb4097134ff3c332f xmlns="d2476bc8-723b-4bb0-8649-dcc3acbfb9a0">
+      <Terms xmlns="http://schemas.microsoft.com/office/infopath/2007/PartnerControls"/>
+    </lcf76f155ced4ddcb4097134ff3c332f>
+    <TaxCatchAll xmlns="7e21dbec-7d1b-44d0-bf72-7919f2ae0a3e" xsi:nil="true"/>
+  </documentManagement>
+</p:properties>
 </file>
 
-<file path=customXml/itemProps3.xml><?xml version="1.0" encoding="utf-8"?>
+<file path=customXml/itemProps1.xml><?xml version="1.0" encoding="utf-8"?>
 <ds:datastoreItem xmlns:ds="http://schemas.openxmlformats.org/officeDocument/2006/customXml" ds:itemID="{B11957A4-33DD-4E3E-AD3F-2C2BF44FB7A5}">
   <ds:schemaRefs>
     <ds:schemaRef ds:uri="http://schemas.microsoft.com/office/2006/metadata/contentType"/>
@@ -6539,4 +8248,23 @@
     <ds:schemaRef ds:uri="http://schemas.microsoft.com/internal/obd"/>
   </ds:schemaRefs>
 </ds:datastoreItem>
+</file>
+
+<file path=customXml/itemProps2.xml><?xml version="1.0" encoding="utf-8"?>
+<ds:datastoreItem xmlns:ds="http://schemas.openxmlformats.org/officeDocument/2006/customXml" ds:itemID="{4F41BFD5-7ED0-403C-9153-7160B9E6027A}">
+  <ds:schemaRefs>
+    <ds:schemaRef ds:uri="http://schemas.microsoft.com/sharepoint/v3/contenttype/forms"/>
+  </ds:schemaRefs>
+</ds:datastoreItem>
+</file>
+
+<file path=customXml/itemProps3.xml><?xml version="1.0" encoding="utf-8"?>
+<ds:datastoreItem xmlns:ds="http://schemas.openxmlformats.org/officeDocument/2006/customXml" ds:itemID="{8BF8A91E-F2DF-40D8-B27B-7C6477758FA3}">
+  <ds:schemaRefs>
+    <ds:schemaRef ds:uri="http://schemas.microsoft.com/office/2006/metadata/properties"/>
+    <ds:schemaRef ds:uri="http://schemas.microsoft.com/office/infopath/2007/PartnerControls"/>
+    <ds:schemaRef ds:uri="d2476bc8-723b-4bb0-8649-dcc3acbfb9a0"/>
+    <ds:schemaRef ds:uri="7e21dbec-7d1b-44d0-bf72-7919f2ae0a3e"/>
+  </ds:schemaRefs>
+</ds:datastoreItem>
 </file>